--- a/Presentaties/tussentijdse-presentatie-2-met-uitleg.pptx
+++ b/Presentaties/tussentijdse-presentatie-2-met-uitleg.pptx
@@ -5,10 +5,10 @@
     <p:sldMasterId id="2147483687" r:id="rId1"/>
   </p:sldMasterIdLst>
   <p:notesMasterIdLst>
-    <p:notesMasterId r:id="rId14"/>
+    <p:notesMasterId r:id="rId18"/>
   </p:notesMasterIdLst>
   <p:handoutMasterIdLst>
-    <p:handoutMasterId r:id="rId15"/>
+    <p:handoutMasterId r:id="rId19"/>
   </p:handoutMasterIdLst>
   <p:sldIdLst>
     <p:sldId id="300" r:id="rId2"/>
@@ -23,6 +23,10 @@
     <p:sldId id="307" r:id="rId11"/>
     <p:sldId id="308" r:id="rId12"/>
     <p:sldId id="310" r:id="rId13"/>
+    <p:sldId id="323" r:id="rId14"/>
+    <p:sldId id="324" r:id="rId15"/>
+    <p:sldId id="325" r:id="rId16"/>
+    <p:sldId id="326" r:id="rId17"/>
   </p:sldIdLst>
   <p:sldSz cx="9144000" cy="6858000" type="screen4x3"/>
   <p:notesSz cx="6858000" cy="9144000"/>
@@ -262,7 +266,7 @@
                 <a:cs typeface="Arial" pitchFamily="34" charset="0"/>
               </a:rPr>
               <a:pPr/>
-              <a:t>6/04/2014</a:t>
+              <a:t>22/04/2014</a:t>
             </a:fld>
             <a:endParaRPr lang="nl-BE" sz="1000">
               <a:latin typeface="Arial" pitchFamily="34" charset="0"/>
@@ -441,7 +445,7 @@
             <a:fld id="{7AF0A2F9-EF49-41B3-9E69-7CDBDC14786A}" type="datetimeFigureOut">
               <a:rPr lang="nl-BE" smtClean="0"/>
               <a:pPr/>
-              <a:t>6/04/2014</a:t>
+              <a:t>22/04/2014</a:t>
             </a:fld>
             <a:endParaRPr lang="nl-BE"/>
           </a:p>
@@ -1648,6 +1652,817 @@
 </p:notes>
 </file>
 
+<file path=ppt/notesSlides/notesSlide10.xml><?xml version="1.0" encoding="utf-8"?>
+<p:notes xmlns:a="http://schemas.openxmlformats.org/drawingml/2006/main" xmlns:r="http://schemas.openxmlformats.org/officeDocument/2006/relationships" xmlns:p="http://schemas.openxmlformats.org/presentationml/2006/main">
+  <p:cSld>
+    <p:spTree>
+      <p:nvGrpSpPr>
+        <p:cNvPr id="1" name=""/>
+        <p:cNvGrpSpPr/>
+        <p:nvPr/>
+      </p:nvGrpSpPr>
+      <p:grpSpPr>
+        <a:xfrm>
+          <a:off x="0" y="0"/>
+          <a:ext cx="0" cy="0"/>
+          <a:chOff x="0" y="0"/>
+          <a:chExt cx="0" cy="0"/>
+        </a:xfrm>
+      </p:grpSpPr>
+      <p:sp>
+        <p:nvSpPr>
+          <p:cNvPr id="2" name="Slide Image Placeholder 1"/>
+          <p:cNvSpPr>
+            <a:spLocks noGrp="1" noRot="1" noChangeAspect="1"/>
+          </p:cNvSpPr>
+          <p:nvPr>
+            <p:ph type="sldImg"/>
+          </p:nvPr>
+        </p:nvSpPr>
+        <p:spPr/>
+      </p:sp>
+      <p:sp>
+        <p:nvSpPr>
+          <p:cNvPr id="3" name="Notes Placeholder 2"/>
+          <p:cNvSpPr>
+            <a:spLocks noGrp="1"/>
+          </p:cNvSpPr>
+          <p:nvPr>
+            <p:ph type="body" idx="1"/>
+          </p:nvPr>
+        </p:nvSpPr>
+        <p:spPr/>
+        <p:txBody>
+          <a:bodyPr/>
+          <a:lstStyle/>
+          <a:p>
+            <a:r>
+              <a:rPr lang="en-GB" dirty="0" err="1" smtClean="0"/>
+              <a:t>Bij</a:t>
+            </a:r>
+            <a:r>
+              <a:rPr lang="en-GB" dirty="0" smtClean="0"/>
+              <a:t> </a:t>
+            </a:r>
+            <a:r>
+              <a:rPr lang="en-GB" dirty="0" err="1" smtClean="0"/>
+              <a:t>lezer</a:t>
+            </a:r>
+            <a:r>
+              <a:rPr lang="en-GB" dirty="0" smtClean="0"/>
+              <a:t> 1 is de data </a:t>
+            </a:r>
+            <a:r>
+              <a:rPr lang="en-GB" dirty="0" err="1" smtClean="0"/>
+              <a:t>bijna</a:t>
+            </a:r>
+            <a:r>
+              <a:rPr lang="en-GB" dirty="0" smtClean="0"/>
+              <a:t> </a:t>
+            </a:r>
+            <a:r>
+              <a:rPr lang="en-GB" dirty="0" err="1" smtClean="0"/>
+              <a:t>altijd</a:t>
+            </a:r>
+            <a:r>
+              <a:rPr lang="en-GB" dirty="0" smtClean="0"/>
+              <a:t> </a:t>
+            </a:r>
+            <a:r>
+              <a:rPr lang="en-GB" dirty="0" err="1" smtClean="0"/>
+              <a:t>beschikbaar</a:t>
+            </a:r>
+            <a:r>
+              <a:rPr lang="en-GB" dirty="0" smtClean="0"/>
+              <a:t> </a:t>
+            </a:r>
+            <a:r>
+              <a:rPr lang="en-GB" dirty="0" err="1" smtClean="0"/>
+              <a:t>vanaf</a:t>
+            </a:r>
+            <a:r>
+              <a:rPr lang="en-GB" baseline="0" dirty="0" smtClean="0"/>
+              <a:t> de </a:t>
+            </a:r>
+            <a:r>
+              <a:rPr lang="en-GB" baseline="0" dirty="0" err="1" smtClean="0"/>
+              <a:t>eerste</a:t>
+            </a:r>
+            <a:r>
+              <a:rPr lang="en-GB" baseline="0" dirty="0" smtClean="0"/>
+              <a:t> </a:t>
+            </a:r>
+            <a:r>
+              <a:rPr lang="en-GB" baseline="0" dirty="0" err="1" smtClean="0"/>
+              <a:t>leespoging</a:t>
+            </a:r>
+            <a:r>
+              <a:rPr lang="en-GB" baseline="0" dirty="0" smtClean="0"/>
+              <a:t>. Nu </a:t>
+            </a:r>
+            <a:r>
+              <a:rPr lang="en-GB" baseline="0" dirty="0" err="1" smtClean="0"/>
+              <a:t>kan</a:t>
+            </a:r>
+            <a:r>
+              <a:rPr lang="en-GB" baseline="0" dirty="0" smtClean="0"/>
+              <a:t> het </a:t>
+            </a:r>
+            <a:r>
+              <a:rPr lang="en-GB" baseline="0" dirty="0" err="1" smtClean="0"/>
+              <a:t>wel</a:t>
+            </a:r>
+            <a:r>
+              <a:rPr lang="en-GB" baseline="0" dirty="0" smtClean="0"/>
+              <a:t> even </a:t>
+            </a:r>
+            <a:r>
+              <a:rPr lang="en-GB" baseline="0" dirty="0" err="1" smtClean="0"/>
+              <a:t>duren</a:t>
+            </a:r>
+            <a:r>
+              <a:rPr lang="en-GB" baseline="0" dirty="0" smtClean="0"/>
+              <a:t> </a:t>
+            </a:r>
+            <a:r>
+              <a:rPr lang="en-GB" baseline="0" dirty="0" err="1" smtClean="0"/>
+              <a:t>voor</a:t>
+            </a:r>
+            <a:r>
+              <a:rPr lang="en-GB" baseline="0" dirty="0" smtClean="0"/>
+              <a:t> </a:t>
+            </a:r>
+            <a:r>
+              <a:rPr lang="en-GB" baseline="0" dirty="0" err="1" smtClean="0"/>
+              <a:t>een</a:t>
+            </a:r>
+            <a:r>
+              <a:rPr lang="en-GB" baseline="0" dirty="0" smtClean="0"/>
+              <a:t> </a:t>
+            </a:r>
+            <a:r>
+              <a:rPr lang="en-GB" baseline="0" dirty="0" err="1" smtClean="0"/>
+              <a:t>leesoperatie</a:t>
+            </a:r>
+            <a:r>
+              <a:rPr lang="en-GB" baseline="0" dirty="0" smtClean="0"/>
+              <a:t> </a:t>
+            </a:r>
+            <a:r>
+              <a:rPr lang="en-GB" baseline="0" dirty="0" err="1" smtClean="0"/>
+              <a:t>voltooid</a:t>
+            </a:r>
+            <a:r>
+              <a:rPr lang="en-GB" baseline="0" dirty="0" smtClean="0"/>
+              <a:t> is. </a:t>
+            </a:r>
+            <a:r>
+              <a:rPr lang="en-GB" baseline="0" dirty="0" err="1" smtClean="0"/>
+              <a:t>Dit</a:t>
+            </a:r>
+            <a:r>
+              <a:rPr lang="en-GB" baseline="0" dirty="0" smtClean="0"/>
+              <a:t> </a:t>
+            </a:r>
+            <a:r>
+              <a:rPr lang="en-GB" baseline="0" dirty="0" err="1" smtClean="0"/>
+              <a:t>kan</a:t>
+            </a:r>
+            <a:r>
+              <a:rPr lang="en-GB" baseline="0" dirty="0" smtClean="0"/>
+              <a:t> </a:t>
+            </a:r>
+            <a:r>
+              <a:rPr lang="en-GB" baseline="0" dirty="0" err="1" smtClean="0"/>
+              <a:t>verklaart</a:t>
+            </a:r>
+            <a:r>
+              <a:rPr lang="en-GB" baseline="0" dirty="0" smtClean="0"/>
+              <a:t> </a:t>
+            </a:r>
+            <a:r>
+              <a:rPr lang="en-GB" baseline="0" dirty="0" err="1" smtClean="0"/>
+              <a:t>worden</a:t>
+            </a:r>
+            <a:r>
+              <a:rPr lang="en-GB" baseline="0" dirty="0" smtClean="0"/>
+              <a:t> door middle van locking, </a:t>
+            </a:r>
+            <a:r>
+              <a:rPr lang="en-GB" baseline="0" dirty="0" err="1" smtClean="0"/>
+              <a:t>indien</a:t>
+            </a:r>
+            <a:r>
+              <a:rPr lang="en-GB" baseline="0" dirty="0" smtClean="0"/>
+              <a:t> </a:t>
+            </a:r>
+            <a:r>
+              <a:rPr lang="en-GB" baseline="0" dirty="0" err="1" smtClean="0"/>
+              <a:t>een</a:t>
+            </a:r>
+            <a:r>
+              <a:rPr lang="en-GB" baseline="0" dirty="0" smtClean="0"/>
+              <a:t> </a:t>
+            </a:r>
+            <a:r>
+              <a:rPr lang="en-GB" baseline="0" dirty="0" err="1" smtClean="0"/>
+              <a:t>schrijf</a:t>
+            </a:r>
+            <a:r>
+              <a:rPr lang="en-GB" baseline="0" dirty="0" smtClean="0"/>
+              <a:t> </a:t>
+            </a:r>
+            <a:r>
+              <a:rPr lang="en-GB" baseline="0" dirty="0" err="1" smtClean="0"/>
+              <a:t>operatie</a:t>
+            </a:r>
+            <a:r>
+              <a:rPr lang="en-GB" baseline="0" dirty="0" smtClean="0"/>
+              <a:t> op die </a:t>
+            </a:r>
+            <a:r>
+              <a:rPr lang="en-GB" baseline="0" dirty="0" err="1" smtClean="0"/>
+              <a:t>waarde</a:t>
+            </a:r>
+            <a:r>
+              <a:rPr lang="en-GB" baseline="0" dirty="0" smtClean="0"/>
+              <a:t> </a:t>
+            </a:r>
+            <a:r>
+              <a:rPr lang="en-GB" baseline="0" dirty="0" err="1" smtClean="0"/>
+              <a:t>gebeurt</a:t>
+            </a:r>
+            <a:r>
+              <a:rPr lang="en-GB" baseline="0" dirty="0" smtClean="0"/>
+              <a:t>, </a:t>
+            </a:r>
+            <a:r>
+              <a:rPr lang="en-GB" baseline="0" dirty="0" err="1" smtClean="0"/>
+              <a:t>worden</a:t>
+            </a:r>
+            <a:r>
+              <a:rPr lang="en-GB" baseline="0" dirty="0" smtClean="0"/>
+              <a:t> </a:t>
+            </a:r>
+            <a:r>
+              <a:rPr lang="en-GB" baseline="0" dirty="0" err="1" smtClean="0"/>
+              <a:t>nieuwe</a:t>
+            </a:r>
+            <a:r>
+              <a:rPr lang="en-GB" baseline="0" dirty="0" smtClean="0"/>
+              <a:t> </a:t>
+            </a:r>
+            <a:r>
+              <a:rPr lang="en-GB" baseline="0" dirty="0" err="1" smtClean="0"/>
+              <a:t>leesactie</a:t>
+            </a:r>
+            <a:r>
+              <a:rPr lang="en-GB" baseline="0" dirty="0" smtClean="0"/>
+              <a:t> </a:t>
+            </a:r>
+            <a:r>
+              <a:rPr lang="en-GB" baseline="0" dirty="0" err="1" smtClean="0"/>
+              <a:t>gedelayed</a:t>
+            </a:r>
+            <a:r>
+              <a:rPr lang="en-GB" baseline="0" dirty="0" smtClean="0"/>
+              <a:t> tot </a:t>
+            </a:r>
+            <a:r>
+              <a:rPr lang="en-GB" baseline="0" dirty="0" err="1" smtClean="0"/>
+              <a:t>na</a:t>
+            </a:r>
+            <a:r>
+              <a:rPr lang="en-GB" baseline="0" dirty="0" smtClean="0"/>
+              <a:t> de </a:t>
+            </a:r>
+            <a:r>
+              <a:rPr lang="en-GB" baseline="0" dirty="0" err="1" smtClean="0"/>
+              <a:t>schrijfoperatie</a:t>
+            </a:r>
+            <a:r>
+              <a:rPr lang="en-GB" baseline="0" dirty="0" smtClean="0"/>
+              <a:t>. </a:t>
+            </a:r>
+            <a:r>
+              <a:rPr lang="en-GB" baseline="0" dirty="0" err="1" smtClean="0"/>
+              <a:t>Ook</a:t>
+            </a:r>
+            <a:r>
+              <a:rPr lang="en-GB" baseline="0" dirty="0" smtClean="0"/>
+              <a:t> in de </a:t>
+            </a:r>
+            <a:r>
+              <a:rPr lang="en-GB" baseline="0" dirty="0" err="1" smtClean="0"/>
+              <a:t>figuur</a:t>
+            </a:r>
+            <a:r>
+              <a:rPr lang="en-GB" baseline="0" dirty="0" smtClean="0"/>
+              <a:t> is </a:t>
+            </a:r>
+            <a:r>
+              <a:rPr lang="en-GB" baseline="0" dirty="0" err="1" smtClean="0"/>
+              <a:t>dit</a:t>
+            </a:r>
+            <a:r>
+              <a:rPr lang="en-GB" baseline="0" dirty="0" smtClean="0"/>
+              <a:t> </a:t>
+            </a:r>
+            <a:r>
+              <a:rPr lang="en-GB" baseline="0" dirty="0" err="1" smtClean="0"/>
+              <a:t>duidelijk</a:t>
+            </a:r>
+            <a:r>
+              <a:rPr lang="en-GB" baseline="0" dirty="0" smtClean="0"/>
+              <a:t> </a:t>
+            </a:r>
+            <a:r>
+              <a:rPr lang="en-GB" baseline="0" dirty="0" err="1" smtClean="0"/>
+              <a:t>zichtbaar</a:t>
+            </a:r>
+            <a:r>
+              <a:rPr lang="en-GB" baseline="0" dirty="0" smtClean="0"/>
+              <a:t>, de </a:t>
+            </a:r>
+            <a:r>
+              <a:rPr lang="en-GB" baseline="0" dirty="0" err="1" smtClean="0"/>
+              <a:t>blauwe</a:t>
+            </a:r>
+            <a:r>
+              <a:rPr lang="en-GB" baseline="0" dirty="0" smtClean="0"/>
+              <a:t> </a:t>
+            </a:r>
+            <a:r>
+              <a:rPr lang="en-GB" baseline="0" dirty="0" err="1" smtClean="0"/>
+              <a:t>lijn</a:t>
+            </a:r>
+            <a:r>
+              <a:rPr lang="en-GB" baseline="0" dirty="0" smtClean="0"/>
+              <a:t> </a:t>
+            </a:r>
+            <a:r>
+              <a:rPr lang="en-GB" baseline="0" dirty="0" err="1" smtClean="0"/>
+              <a:t>volgt</a:t>
+            </a:r>
+            <a:r>
+              <a:rPr lang="en-GB" baseline="0" dirty="0" smtClean="0"/>
+              <a:t> de rode </a:t>
+            </a:r>
+            <a:r>
+              <a:rPr lang="en-GB" baseline="0" dirty="0" err="1" smtClean="0"/>
+              <a:t>lijn</a:t>
+            </a:r>
+            <a:r>
+              <a:rPr lang="en-GB" baseline="0" dirty="0" smtClean="0"/>
+              <a:t> in </a:t>
+            </a:r>
+            <a:r>
+              <a:rPr lang="en-GB" baseline="0" dirty="0" err="1" smtClean="0"/>
+              <a:t>bijna</a:t>
+            </a:r>
+            <a:r>
+              <a:rPr lang="en-GB" baseline="0" dirty="0" smtClean="0"/>
+              <a:t> </a:t>
+            </a:r>
+            <a:r>
+              <a:rPr lang="en-GB" baseline="0" dirty="0" err="1" smtClean="0"/>
+              <a:t>alle</a:t>
+            </a:r>
+            <a:r>
+              <a:rPr lang="en-GB" baseline="0" dirty="0" smtClean="0"/>
+              <a:t> </a:t>
+            </a:r>
+            <a:r>
+              <a:rPr lang="en-GB" baseline="0" dirty="0" err="1" smtClean="0"/>
+              <a:t>gevallen</a:t>
+            </a:r>
+            <a:r>
+              <a:rPr lang="en-GB" baseline="0" dirty="0" smtClean="0"/>
+              <a:t>. </a:t>
+            </a:r>
+          </a:p>
+          <a:p>
+            <a:endParaRPr lang="en-GB" baseline="0" dirty="0" smtClean="0"/>
+          </a:p>
+          <a:p>
+            <a:r>
+              <a:rPr lang="en-GB" baseline="0" dirty="0" err="1" smtClean="0"/>
+              <a:t>Een</a:t>
+            </a:r>
+            <a:r>
+              <a:rPr lang="en-GB" baseline="0" dirty="0" smtClean="0"/>
+              <a:t> </a:t>
+            </a:r>
+            <a:r>
+              <a:rPr lang="en-GB" baseline="0" dirty="0" err="1" smtClean="0"/>
+              <a:t>enkele</a:t>
+            </a:r>
+            <a:r>
+              <a:rPr lang="en-GB" baseline="0" dirty="0" smtClean="0"/>
+              <a:t> </a:t>
+            </a:r>
+            <a:r>
+              <a:rPr lang="en-GB" baseline="0" dirty="0" err="1" smtClean="0"/>
+              <a:t>keer</a:t>
+            </a:r>
+            <a:r>
+              <a:rPr lang="en-GB" baseline="0" dirty="0" smtClean="0"/>
+              <a:t> </a:t>
+            </a:r>
+            <a:r>
+              <a:rPr lang="en-GB" baseline="0" dirty="0" err="1" smtClean="0"/>
+              <a:t>een</a:t>
+            </a:r>
+            <a:r>
+              <a:rPr lang="en-GB" baseline="0" dirty="0" smtClean="0"/>
+              <a:t> </a:t>
+            </a:r>
+            <a:r>
+              <a:rPr lang="en-GB" baseline="0" dirty="0" err="1" smtClean="0"/>
+              <a:t>leesoperatie</a:t>
+            </a:r>
+            <a:r>
+              <a:rPr lang="en-GB" baseline="0" dirty="0" smtClean="0"/>
+              <a:t> </a:t>
+            </a:r>
+            <a:r>
+              <a:rPr lang="en-GB" baseline="0" dirty="0" err="1" smtClean="0"/>
+              <a:t>gedaan</a:t>
+            </a:r>
+            <a:r>
+              <a:rPr lang="en-GB" baseline="0" dirty="0" smtClean="0"/>
+              <a:t> </a:t>
+            </a:r>
+            <a:r>
+              <a:rPr lang="en-GB" baseline="0" dirty="0" err="1" smtClean="0"/>
+              <a:t>voor</a:t>
+            </a:r>
+            <a:r>
+              <a:rPr lang="en-GB" baseline="0" dirty="0" smtClean="0"/>
+              <a:t> de </a:t>
+            </a:r>
+            <a:r>
+              <a:rPr lang="en-GB" baseline="0" dirty="0" err="1" smtClean="0"/>
+              <a:t>schrijfoperatie</a:t>
+            </a:r>
+            <a:r>
+              <a:rPr lang="en-GB" baseline="0" dirty="0" smtClean="0"/>
+              <a:t>, maar </a:t>
+            </a:r>
+            <a:r>
+              <a:rPr lang="en-GB" baseline="0" dirty="0" err="1" smtClean="0"/>
+              <a:t>als</a:t>
+            </a:r>
+            <a:r>
+              <a:rPr lang="en-GB" baseline="0" dirty="0" smtClean="0"/>
+              <a:t> </a:t>
+            </a:r>
+            <a:r>
+              <a:rPr lang="en-GB" baseline="0" dirty="0" err="1" smtClean="0"/>
+              <a:t>er</a:t>
+            </a:r>
+            <a:r>
+              <a:rPr lang="en-GB" baseline="0" dirty="0" smtClean="0"/>
+              <a:t> </a:t>
+            </a:r>
+            <a:r>
+              <a:rPr lang="en-GB" baseline="0" dirty="0" err="1" smtClean="0"/>
+              <a:t>naar</a:t>
+            </a:r>
+            <a:r>
+              <a:rPr lang="en-GB" baseline="0" dirty="0" smtClean="0"/>
+              <a:t> het </a:t>
+            </a:r>
+            <a:r>
+              <a:rPr lang="en-GB" baseline="0" dirty="0" err="1" smtClean="0"/>
+              <a:t>resultaat</a:t>
+            </a:r>
+            <a:r>
+              <a:rPr lang="en-GB" baseline="0" dirty="0" smtClean="0"/>
+              <a:t> </a:t>
+            </a:r>
+            <a:r>
+              <a:rPr lang="en-GB" baseline="0" dirty="0" err="1" smtClean="0"/>
+              <a:t>gekeken</a:t>
+            </a:r>
+            <a:r>
+              <a:rPr lang="en-GB" baseline="0" dirty="0" smtClean="0"/>
+              <a:t> </a:t>
+            </a:r>
+            <a:r>
+              <a:rPr lang="en-GB" baseline="0" dirty="0" err="1" smtClean="0"/>
+              <a:t>wordt</a:t>
+            </a:r>
+            <a:r>
+              <a:rPr lang="en-GB" baseline="0" dirty="0" smtClean="0"/>
+              <a:t>, </a:t>
+            </a:r>
+            <a:r>
+              <a:rPr lang="en-GB" baseline="0" dirty="0" err="1" smtClean="0"/>
+              <a:t>wordt</a:t>
+            </a:r>
+            <a:r>
+              <a:rPr lang="en-GB" baseline="0" dirty="0" smtClean="0"/>
+              <a:t> de </a:t>
+            </a:r>
+            <a:r>
+              <a:rPr lang="en-GB" baseline="0" dirty="0" err="1" smtClean="0"/>
+              <a:t>oude</a:t>
+            </a:r>
+            <a:r>
+              <a:rPr lang="en-GB" baseline="0" dirty="0" smtClean="0"/>
+              <a:t> </a:t>
+            </a:r>
+            <a:r>
+              <a:rPr lang="en-GB" baseline="0" dirty="0" err="1" smtClean="0"/>
+              <a:t>waarde</a:t>
+            </a:r>
+            <a:r>
+              <a:rPr lang="en-GB" baseline="0" dirty="0" smtClean="0"/>
+              <a:t> in </a:t>
+            </a:r>
+            <a:r>
+              <a:rPr lang="en-GB" baseline="0" dirty="0" err="1" smtClean="0"/>
+              <a:t>dit</a:t>
+            </a:r>
+            <a:r>
+              <a:rPr lang="en-GB" baseline="0" dirty="0" smtClean="0"/>
+              <a:t> </a:t>
+            </a:r>
+            <a:r>
+              <a:rPr lang="en-GB" baseline="0" dirty="0" err="1" smtClean="0"/>
+              <a:t>geval</a:t>
+            </a:r>
+            <a:r>
+              <a:rPr lang="en-GB" baseline="0" dirty="0" smtClean="0"/>
+              <a:t> nog </a:t>
+            </a:r>
+            <a:r>
+              <a:rPr lang="en-GB" baseline="0" dirty="0" err="1" smtClean="0"/>
+              <a:t>gelezen</a:t>
+            </a:r>
+            <a:r>
+              <a:rPr lang="en-GB" baseline="0" dirty="0" smtClean="0"/>
+              <a:t>, </a:t>
+            </a:r>
+            <a:r>
+              <a:rPr lang="en-GB" baseline="0" dirty="0" err="1" smtClean="0"/>
+              <a:t>een</a:t>
+            </a:r>
+            <a:r>
+              <a:rPr lang="en-GB" baseline="0" dirty="0" smtClean="0"/>
+              <a:t> </a:t>
+            </a:r>
+            <a:r>
+              <a:rPr lang="en-GB" baseline="0" dirty="0" err="1" smtClean="0"/>
+              <a:t>tweede</a:t>
+            </a:r>
+            <a:r>
+              <a:rPr lang="en-GB" baseline="0" dirty="0" smtClean="0"/>
+              <a:t> </a:t>
+            </a:r>
+            <a:r>
+              <a:rPr lang="en-GB" baseline="0" dirty="0" err="1" smtClean="0"/>
+              <a:t>poging</a:t>
+            </a:r>
+            <a:r>
+              <a:rPr lang="en-GB" baseline="0" dirty="0" smtClean="0"/>
+              <a:t> is </a:t>
+            </a:r>
+            <a:r>
+              <a:rPr lang="en-GB" baseline="0" dirty="0" err="1" smtClean="0"/>
+              <a:t>hier</a:t>
+            </a:r>
+            <a:r>
+              <a:rPr lang="en-GB" baseline="0" dirty="0" smtClean="0"/>
+              <a:t> </a:t>
+            </a:r>
+            <a:r>
+              <a:rPr lang="en-GB" baseline="0" dirty="0" err="1" smtClean="0"/>
+              <a:t>dus</a:t>
+            </a:r>
+            <a:r>
+              <a:rPr lang="en-GB" baseline="0" dirty="0" smtClean="0"/>
+              <a:t> </a:t>
+            </a:r>
+            <a:r>
+              <a:rPr lang="en-GB" baseline="0" dirty="0" err="1" smtClean="0"/>
+              <a:t>nodig</a:t>
+            </a:r>
+            <a:r>
+              <a:rPr lang="en-GB" baseline="0" dirty="0" smtClean="0"/>
+              <a:t>. </a:t>
+            </a:r>
+          </a:p>
+        </p:txBody>
+      </p:sp>
+      <p:sp>
+        <p:nvSpPr>
+          <p:cNvPr id="4" name="Slide Number Placeholder 3"/>
+          <p:cNvSpPr>
+            <a:spLocks noGrp="1"/>
+          </p:cNvSpPr>
+          <p:nvPr>
+            <p:ph type="sldNum" sz="quarter" idx="10"/>
+          </p:nvPr>
+        </p:nvSpPr>
+        <p:spPr/>
+        <p:txBody>
+          <a:bodyPr/>
+          <a:lstStyle/>
+          <a:p>
+            <a:fld id="{17C257C2-8D60-4760-88CB-024AF3EEC641}" type="slidenum">
+              <a:rPr lang="nl-BE" smtClean="0"/>
+              <a:pPr/>
+              <a:t>10</a:t>
+            </a:fld>
+            <a:endParaRPr lang="nl-BE"/>
+          </a:p>
+        </p:txBody>
+      </p:sp>
+    </p:spTree>
+    <p:extLst>
+      <p:ext uri="{BB962C8B-B14F-4D97-AF65-F5344CB8AC3E}">
+        <p14:creationId xmlns:p14="http://schemas.microsoft.com/office/powerpoint/2010/main" val="1536735326"/>
+      </p:ext>
+    </p:extLst>
+  </p:cSld>
+  <p:clrMapOvr>
+    <a:masterClrMapping/>
+  </p:clrMapOvr>
+</p:notes>
+</file>
+
+<file path=ppt/notesSlides/notesSlide11.xml><?xml version="1.0" encoding="utf-8"?>
+<p:notes xmlns:a="http://schemas.openxmlformats.org/drawingml/2006/main" xmlns:r="http://schemas.openxmlformats.org/officeDocument/2006/relationships" xmlns:p="http://schemas.openxmlformats.org/presentationml/2006/main">
+  <p:cSld>
+    <p:spTree>
+      <p:nvGrpSpPr>
+        <p:cNvPr id="1" name=""/>
+        <p:cNvGrpSpPr/>
+        <p:nvPr/>
+      </p:nvGrpSpPr>
+      <p:grpSpPr>
+        <a:xfrm>
+          <a:off x="0" y="0"/>
+          <a:ext cx="0" cy="0"/>
+          <a:chOff x="0" y="0"/>
+          <a:chExt cx="0" cy="0"/>
+        </a:xfrm>
+      </p:grpSpPr>
+      <p:sp>
+        <p:nvSpPr>
+          <p:cNvPr id="2" name="Slide Image Placeholder 1"/>
+          <p:cNvSpPr>
+            <a:spLocks noGrp="1" noRot="1" noChangeAspect="1"/>
+          </p:cNvSpPr>
+          <p:nvPr>
+            <p:ph type="sldImg"/>
+          </p:nvPr>
+        </p:nvSpPr>
+        <p:spPr/>
+      </p:sp>
+      <p:sp>
+        <p:nvSpPr>
+          <p:cNvPr id="3" name="Notes Placeholder 2"/>
+          <p:cNvSpPr>
+            <a:spLocks noGrp="1"/>
+          </p:cNvSpPr>
+          <p:nvPr>
+            <p:ph type="body" idx="1"/>
+          </p:nvPr>
+        </p:nvSpPr>
+        <p:spPr/>
+        <p:txBody>
+          <a:bodyPr/>
+          <a:lstStyle/>
+          <a:p>
+            <a:endParaRPr lang="en-GB" dirty="0"/>
+          </a:p>
+        </p:txBody>
+      </p:sp>
+      <p:sp>
+        <p:nvSpPr>
+          <p:cNvPr id="4" name="Slide Number Placeholder 3"/>
+          <p:cNvSpPr>
+            <a:spLocks noGrp="1"/>
+          </p:cNvSpPr>
+          <p:nvPr>
+            <p:ph type="sldNum" sz="quarter" idx="10"/>
+          </p:nvPr>
+        </p:nvSpPr>
+        <p:spPr/>
+        <p:txBody>
+          <a:bodyPr/>
+          <a:lstStyle/>
+          <a:p>
+            <a:fld id="{17C257C2-8D60-4760-88CB-024AF3EEC641}" type="slidenum">
+              <a:rPr lang="nl-BE" smtClean="0"/>
+              <a:pPr/>
+              <a:t>11</a:t>
+            </a:fld>
+            <a:endParaRPr lang="nl-BE"/>
+          </a:p>
+        </p:txBody>
+      </p:sp>
+    </p:spTree>
+    <p:extLst>
+      <p:ext uri="{BB962C8B-B14F-4D97-AF65-F5344CB8AC3E}">
+        <p14:creationId xmlns:p14="http://schemas.microsoft.com/office/powerpoint/2010/main" val="4193927735"/>
+      </p:ext>
+    </p:extLst>
+  </p:cSld>
+  <p:clrMapOvr>
+    <a:masterClrMapping/>
+  </p:clrMapOvr>
+</p:notes>
+</file>
+
+<file path=ppt/notesSlides/notesSlide12.xml><?xml version="1.0" encoding="utf-8"?>
+<p:notes xmlns:a="http://schemas.openxmlformats.org/drawingml/2006/main" xmlns:r="http://schemas.openxmlformats.org/officeDocument/2006/relationships" xmlns:p="http://schemas.openxmlformats.org/presentationml/2006/main">
+  <p:cSld>
+    <p:spTree>
+      <p:nvGrpSpPr>
+        <p:cNvPr id="1" name=""/>
+        <p:cNvGrpSpPr/>
+        <p:nvPr/>
+      </p:nvGrpSpPr>
+      <p:grpSpPr>
+        <a:xfrm>
+          <a:off x="0" y="0"/>
+          <a:ext cx="0" cy="0"/>
+          <a:chOff x="0" y="0"/>
+          <a:chExt cx="0" cy="0"/>
+        </a:xfrm>
+      </p:grpSpPr>
+      <p:sp>
+        <p:nvSpPr>
+          <p:cNvPr id="2" name="Slide Image Placeholder 1"/>
+          <p:cNvSpPr>
+            <a:spLocks noGrp="1" noRot="1" noChangeAspect="1"/>
+          </p:cNvSpPr>
+          <p:nvPr>
+            <p:ph type="sldImg"/>
+          </p:nvPr>
+        </p:nvSpPr>
+        <p:spPr/>
+      </p:sp>
+      <p:sp>
+        <p:nvSpPr>
+          <p:cNvPr id="3" name="Notes Placeholder 2"/>
+          <p:cNvSpPr>
+            <a:spLocks noGrp="1"/>
+          </p:cNvSpPr>
+          <p:nvPr>
+            <p:ph type="body" idx="1"/>
+          </p:nvPr>
+        </p:nvSpPr>
+        <p:spPr/>
+        <p:txBody>
+          <a:bodyPr/>
+          <a:lstStyle/>
+          <a:p>
+            <a:endParaRPr lang="en-GB" dirty="0"/>
+          </a:p>
+        </p:txBody>
+      </p:sp>
+      <p:sp>
+        <p:nvSpPr>
+          <p:cNvPr id="4" name="Slide Number Placeholder 3"/>
+          <p:cNvSpPr>
+            <a:spLocks noGrp="1"/>
+          </p:cNvSpPr>
+          <p:nvPr>
+            <p:ph type="sldNum" sz="quarter" idx="10"/>
+          </p:nvPr>
+        </p:nvSpPr>
+        <p:spPr/>
+        <p:txBody>
+          <a:bodyPr/>
+          <a:lstStyle/>
+          <a:p>
+            <a:fld id="{17C257C2-8D60-4760-88CB-024AF3EEC641}" type="slidenum">
+              <a:rPr lang="nl-BE" smtClean="0"/>
+              <a:pPr/>
+              <a:t>12</a:t>
+            </a:fld>
+            <a:endParaRPr lang="nl-BE"/>
+          </a:p>
+        </p:txBody>
+      </p:sp>
+    </p:spTree>
+    <p:extLst>
+      <p:ext uri="{BB962C8B-B14F-4D97-AF65-F5344CB8AC3E}">
+        <p14:creationId xmlns:p14="http://schemas.microsoft.com/office/powerpoint/2010/main" val="605193869"/>
+      </p:ext>
+    </p:extLst>
+  </p:cSld>
+  <p:clrMapOvr>
+    <a:masterClrMapping/>
+  </p:clrMapOvr>
+</p:notes>
+</file>
+
 <file path=ppt/notesSlides/notesSlide2.xml><?xml version="1.0" encoding="utf-8"?>
 <p:notes xmlns:a="http://schemas.openxmlformats.org/drawingml/2006/main" xmlns:r="http://schemas.openxmlformats.org/officeDocument/2006/relationships" xmlns:p="http://schemas.openxmlformats.org/presentationml/2006/main">
   <p:cSld>
@@ -1973,6 +2788,174 @@
               <a:rPr lang="en-GB" baseline="0" dirty="0" smtClean="0"/>
               <a:t> </a:t>
             </a:r>
+            <a:r>
+              <a:rPr lang="en-GB" baseline="0" dirty="0" err="1" smtClean="0"/>
+              <a:t>een</a:t>
+            </a:r>
+            <a:r>
+              <a:rPr lang="en-GB" baseline="0" dirty="0" smtClean="0"/>
+              <a:t> </a:t>
+            </a:r>
+            <a:r>
+              <a:rPr lang="en-GB" baseline="0" dirty="0" err="1" smtClean="0"/>
+              <a:t>hoge</a:t>
+            </a:r>
+            <a:r>
+              <a:rPr lang="en-GB" baseline="0" dirty="0" smtClean="0"/>
+              <a:t> </a:t>
+            </a:r>
+            <a:r>
+              <a:rPr lang="en-GB" baseline="0" dirty="0" err="1" smtClean="0"/>
+              <a:t>piek</a:t>
+            </a:r>
+            <a:r>
+              <a:rPr lang="en-GB" baseline="0" dirty="0" smtClean="0"/>
+              <a:t> door het </a:t>
+            </a:r>
+            <a:r>
+              <a:rPr lang="en-GB" baseline="0" dirty="0" err="1" smtClean="0"/>
+              <a:t>verhuizen</a:t>
+            </a:r>
+            <a:r>
+              <a:rPr lang="en-GB" baseline="0" dirty="0" smtClean="0"/>
+              <a:t> van </a:t>
+            </a:r>
+            <a:r>
+              <a:rPr lang="en-GB" baseline="0" dirty="0" err="1" smtClean="0"/>
+              <a:t>een</a:t>
+            </a:r>
+            <a:r>
+              <a:rPr lang="en-GB" baseline="0" dirty="0" smtClean="0"/>
+              <a:t> lease. Door </a:t>
+            </a:r>
+            <a:r>
+              <a:rPr lang="en-GB" baseline="0" dirty="0" err="1" smtClean="0"/>
+              <a:t>een</a:t>
+            </a:r>
+            <a:r>
+              <a:rPr lang="en-GB" baseline="0" dirty="0" smtClean="0"/>
+              <a:t> </a:t>
+            </a:r>
+            <a:r>
+              <a:rPr lang="en-GB" baseline="0" dirty="0" err="1" smtClean="0"/>
+              <a:t>zachte</a:t>
+            </a:r>
+            <a:r>
+              <a:rPr lang="en-GB" baseline="0" dirty="0" smtClean="0"/>
+              <a:t> stop, </a:t>
+            </a:r>
+            <a:r>
+              <a:rPr lang="en-GB" baseline="0" dirty="0" err="1" smtClean="0"/>
+              <a:t>kunnen</a:t>
+            </a:r>
+            <a:r>
+              <a:rPr lang="en-GB" baseline="0" dirty="0" smtClean="0"/>
+              <a:t> de </a:t>
+            </a:r>
+            <a:r>
+              <a:rPr lang="en-GB" baseline="0" dirty="0" err="1" smtClean="0"/>
+              <a:t>leasen</a:t>
+            </a:r>
+            <a:r>
+              <a:rPr lang="en-GB" baseline="0" dirty="0" smtClean="0"/>
+              <a:t> </a:t>
+            </a:r>
+            <a:r>
+              <a:rPr lang="en-GB" baseline="0" dirty="0" err="1" smtClean="0"/>
+              <a:t>verhuisd</a:t>
+            </a:r>
+            <a:r>
+              <a:rPr lang="en-GB" baseline="0" dirty="0" smtClean="0"/>
+              <a:t> </a:t>
+            </a:r>
+            <a:r>
+              <a:rPr lang="en-GB" baseline="0" dirty="0" err="1" smtClean="0"/>
+              <a:t>worden</a:t>
+            </a:r>
+            <a:r>
+              <a:rPr lang="en-GB" baseline="0" dirty="0" smtClean="0"/>
+              <a:t> </a:t>
+            </a:r>
+            <a:r>
+              <a:rPr lang="en-GB" baseline="0" dirty="0" err="1" smtClean="0"/>
+              <a:t>naar</a:t>
+            </a:r>
+            <a:r>
+              <a:rPr lang="en-GB" baseline="0" dirty="0" smtClean="0"/>
+              <a:t> </a:t>
+            </a:r>
+            <a:r>
+              <a:rPr lang="en-GB" baseline="0" dirty="0" err="1" smtClean="0"/>
+              <a:t>andere</a:t>
+            </a:r>
+            <a:r>
+              <a:rPr lang="en-GB" baseline="0" dirty="0" smtClean="0"/>
+              <a:t> region server. Na </a:t>
+            </a:r>
+            <a:r>
+              <a:rPr lang="en-GB" baseline="0" dirty="0" err="1" smtClean="0"/>
+              <a:t>een</a:t>
+            </a:r>
+            <a:r>
+              <a:rPr lang="en-GB" baseline="0" dirty="0" smtClean="0"/>
+              <a:t> </a:t>
+            </a:r>
+            <a:r>
+              <a:rPr lang="en-GB" baseline="0" dirty="0" err="1" smtClean="0"/>
+              <a:t>paar</a:t>
+            </a:r>
+            <a:r>
+              <a:rPr lang="en-GB" baseline="0" dirty="0" smtClean="0"/>
+              <a:t> </a:t>
+            </a:r>
+            <a:r>
+              <a:rPr lang="en-GB" baseline="0" dirty="0" err="1" smtClean="0"/>
+              <a:t>seconden</a:t>
+            </a:r>
+            <a:r>
+              <a:rPr lang="en-GB" baseline="0" dirty="0" smtClean="0"/>
+              <a:t> is </a:t>
+            </a:r>
+            <a:r>
+              <a:rPr lang="en-GB" baseline="0" dirty="0" err="1" smtClean="0"/>
+              <a:t>deze</a:t>
+            </a:r>
+            <a:r>
+              <a:rPr lang="en-GB" baseline="0" dirty="0" smtClean="0"/>
+              <a:t> </a:t>
+            </a:r>
+            <a:r>
+              <a:rPr lang="en-GB" baseline="0" dirty="0" err="1" smtClean="0"/>
+              <a:t>verhuis</a:t>
+            </a:r>
+            <a:r>
+              <a:rPr lang="en-GB" baseline="0" dirty="0" smtClean="0"/>
+              <a:t> </a:t>
+            </a:r>
+            <a:r>
+              <a:rPr lang="en-GB" baseline="0" dirty="0" err="1" smtClean="0"/>
+              <a:t>afgelopen</a:t>
+            </a:r>
+            <a:r>
+              <a:rPr lang="en-GB" baseline="0" dirty="0" smtClean="0"/>
+              <a:t> en is de data </a:t>
+            </a:r>
+            <a:r>
+              <a:rPr lang="en-GB" baseline="0" dirty="0" err="1" smtClean="0"/>
+              <a:t>opnieuw</a:t>
+            </a:r>
+            <a:r>
+              <a:rPr lang="en-GB" baseline="0" dirty="0" smtClean="0"/>
+              <a:t> </a:t>
+            </a:r>
+            <a:r>
+              <a:rPr lang="en-GB" baseline="0" dirty="0" err="1" smtClean="0"/>
+              <a:t>beschikbaar</a:t>
+            </a:r>
+            <a:r>
+              <a:rPr lang="en-GB" baseline="0" dirty="0" smtClean="0"/>
+              <a:t>. </a:t>
+            </a:r>
           </a:p>
           <a:p>
             <a:r>
@@ -2013,7 +2996,63 @@
             </a:r>
             <a:r>
               <a:rPr lang="en-GB" baseline="0" dirty="0" smtClean="0"/>
-              <a:t>  </a:t>
+              <a:t>  is </a:t>
+            </a:r>
+            <a:r>
+              <a:rPr lang="en-GB" baseline="0" dirty="0" err="1" smtClean="0"/>
+              <a:t>er</a:t>
+            </a:r>
+            <a:r>
+              <a:rPr lang="en-GB" baseline="0" dirty="0" smtClean="0"/>
+              <a:t> </a:t>
+            </a:r>
+            <a:r>
+              <a:rPr lang="en-GB" baseline="0" dirty="0" err="1" smtClean="0"/>
+              <a:t>geen</a:t>
+            </a:r>
+            <a:r>
+              <a:rPr lang="en-GB" baseline="0" dirty="0" smtClean="0"/>
+              <a:t> </a:t>
+            </a:r>
+            <a:r>
+              <a:rPr lang="en-GB" baseline="0" dirty="0" err="1" smtClean="0"/>
+              <a:t>verandering</a:t>
+            </a:r>
+            <a:r>
+              <a:rPr lang="en-GB" baseline="0" dirty="0" smtClean="0"/>
+              <a:t> want op </a:t>
+            </a:r>
+            <a:r>
+              <a:rPr lang="en-GB" baseline="0" dirty="0" err="1" smtClean="0"/>
+              <a:t>dat</a:t>
+            </a:r>
+            <a:r>
+              <a:rPr lang="en-GB" baseline="0" dirty="0" smtClean="0"/>
+              <a:t> moment </a:t>
+            </a:r>
+            <a:r>
+              <a:rPr lang="en-GB" baseline="0" dirty="0" err="1" smtClean="0"/>
+              <a:t>zijn</a:t>
+            </a:r>
+            <a:r>
+              <a:rPr lang="en-GB" baseline="0" dirty="0" smtClean="0"/>
+              <a:t> </a:t>
+            </a:r>
+            <a:r>
+              <a:rPr lang="en-GB" baseline="0" dirty="0" err="1" smtClean="0"/>
+              <a:t>alle</a:t>
+            </a:r>
+            <a:r>
+              <a:rPr lang="en-GB" baseline="0" dirty="0" smtClean="0"/>
+              <a:t> leases </a:t>
+            </a:r>
+            <a:r>
+              <a:rPr lang="en-GB" baseline="0" dirty="0" err="1" smtClean="0"/>
+              <a:t>uitgedeeld</a:t>
+            </a:r>
+            <a:r>
+              <a:rPr lang="en-GB" baseline="0" dirty="0" smtClean="0"/>
+              <a:t>. </a:t>
             </a:r>
             <a:endParaRPr lang="en-GB" dirty="0"/>
           </a:p>
@@ -2101,16 +3140,238 @@
           <a:lstStyle/>
           <a:p>
             <a:r>
+              <a:rPr lang="en-GB" dirty="0" err="1" smtClean="0"/>
+              <a:t>Bij</a:t>
+            </a:r>
+            <a:r>
               <a:rPr lang="en-GB" dirty="0" smtClean="0"/>
-              <a:t>16ms is </a:t>
+              <a:t> </a:t>
             </a:r>
             <a:r>
               <a:rPr lang="en-GB" dirty="0" err="1" smtClean="0"/>
-              <a:t>er</a:t>
+              <a:t>een</a:t>
             </a:r>
             <a:r>
               <a:rPr lang="en-GB" dirty="0" smtClean="0"/>
-              <a:t> consistency</a:t>
+              <a:t> kill is het in </a:t>
+            </a:r>
+            <a:r>
+              <a:rPr lang="en-GB" dirty="0" err="1" smtClean="0"/>
+              <a:t>tegenstelling</a:t>
+            </a:r>
+            <a:r>
+              <a:rPr lang="en-GB" dirty="0" smtClean="0"/>
+              <a:t> tot </a:t>
+            </a:r>
+            <a:r>
+              <a:rPr lang="en-GB" dirty="0" err="1" smtClean="0"/>
+              <a:t>bij</a:t>
+            </a:r>
+            <a:r>
+              <a:rPr lang="en-GB" dirty="0" smtClean="0"/>
+              <a:t> </a:t>
+            </a:r>
+            <a:r>
+              <a:rPr lang="en-GB" dirty="0" err="1" smtClean="0"/>
+              <a:t>een</a:t>
+            </a:r>
+            <a:r>
+              <a:rPr lang="en-GB" dirty="0" smtClean="0"/>
+              <a:t> </a:t>
+            </a:r>
+            <a:r>
+              <a:rPr lang="en-GB" dirty="0" err="1" smtClean="0"/>
+              <a:t>zachte</a:t>
+            </a:r>
+            <a:r>
+              <a:rPr lang="en-GB" dirty="0" smtClean="0"/>
+              <a:t> stop </a:t>
+            </a:r>
+            <a:r>
+              <a:rPr lang="en-GB" dirty="0" err="1" smtClean="0"/>
+              <a:t>niet</a:t>
+            </a:r>
+            <a:r>
+              <a:rPr lang="en-GB" dirty="0" smtClean="0"/>
+              <a:t> </a:t>
+            </a:r>
+            <a:r>
+              <a:rPr lang="en-GB" dirty="0" err="1" smtClean="0"/>
+              <a:t>mogelijk</a:t>
+            </a:r>
+            <a:r>
+              <a:rPr lang="en-GB" dirty="0" smtClean="0"/>
+              <a:t> om de lease </a:t>
+            </a:r>
+            <a:r>
+              <a:rPr lang="en-GB" dirty="0" err="1" smtClean="0"/>
+              <a:t>te</a:t>
+            </a:r>
+            <a:r>
+              <a:rPr lang="en-GB" dirty="0" smtClean="0"/>
+              <a:t> </a:t>
+            </a:r>
+            <a:r>
+              <a:rPr lang="en-GB" dirty="0" err="1" smtClean="0"/>
+              <a:t>verhuizen</a:t>
+            </a:r>
+            <a:r>
+              <a:rPr lang="en-GB" baseline="0" dirty="0" smtClean="0"/>
+              <a:t> </a:t>
+            </a:r>
+            <a:r>
+              <a:rPr lang="en-GB" baseline="0" dirty="0" err="1" smtClean="0"/>
+              <a:t>naar</a:t>
+            </a:r>
+            <a:r>
+              <a:rPr lang="en-GB" baseline="0" dirty="0" smtClean="0"/>
+              <a:t> </a:t>
+            </a:r>
+            <a:r>
+              <a:rPr lang="en-GB" baseline="0" dirty="0" err="1" smtClean="0"/>
+              <a:t>andere</a:t>
+            </a:r>
+            <a:r>
+              <a:rPr lang="en-GB" baseline="0" dirty="0" smtClean="0"/>
+              <a:t> region servers. </a:t>
+            </a:r>
+          </a:p>
+          <a:p>
+            <a:r>
+              <a:rPr lang="en-GB" baseline="0" dirty="0" err="1" smtClean="0"/>
+              <a:t>Er</a:t>
+            </a:r>
+            <a:r>
+              <a:rPr lang="en-GB" baseline="0" dirty="0" smtClean="0"/>
+              <a:t> </a:t>
+            </a:r>
+            <a:r>
+              <a:rPr lang="en-GB" baseline="0" dirty="0" err="1" smtClean="0"/>
+              <a:t>moet</a:t>
+            </a:r>
+            <a:r>
+              <a:rPr lang="en-GB" baseline="0" dirty="0" smtClean="0"/>
+              <a:t> in </a:t>
+            </a:r>
+            <a:r>
+              <a:rPr lang="en-GB" baseline="0" dirty="0" err="1" smtClean="0"/>
+              <a:t>dit</a:t>
+            </a:r>
+            <a:r>
+              <a:rPr lang="en-GB" baseline="0" dirty="0" smtClean="0"/>
+              <a:t> </a:t>
+            </a:r>
+            <a:r>
+              <a:rPr lang="en-GB" baseline="0" dirty="0" err="1" smtClean="0"/>
+              <a:t>geval</a:t>
+            </a:r>
+            <a:r>
+              <a:rPr lang="en-GB" baseline="0" dirty="0" smtClean="0"/>
+              <a:t> </a:t>
+            </a:r>
+            <a:r>
+              <a:rPr lang="en-GB" baseline="0" dirty="0" err="1" smtClean="0"/>
+              <a:t>gewacht</a:t>
+            </a:r>
+            <a:r>
+              <a:rPr lang="en-GB" baseline="0" dirty="0" smtClean="0"/>
+              <a:t> </a:t>
+            </a:r>
+            <a:r>
+              <a:rPr lang="en-GB" baseline="0" dirty="0" err="1" smtClean="0"/>
+              <a:t>worden</a:t>
+            </a:r>
+            <a:r>
+              <a:rPr lang="en-GB" baseline="0" dirty="0" smtClean="0"/>
+              <a:t> tot de </a:t>
+            </a:r>
+            <a:r>
+              <a:rPr lang="en-GB" baseline="0" dirty="0" err="1" smtClean="0"/>
+              <a:t>leasen</a:t>
+            </a:r>
+            <a:r>
+              <a:rPr lang="en-GB" baseline="0" dirty="0" smtClean="0"/>
+              <a:t> </a:t>
+            </a:r>
+            <a:r>
+              <a:rPr lang="en-GB" baseline="0" dirty="0" err="1" smtClean="0"/>
+              <a:t>afgelopen</a:t>
+            </a:r>
+            <a:r>
+              <a:rPr lang="en-GB" baseline="0" dirty="0" smtClean="0"/>
+              <a:t> </a:t>
+            </a:r>
+            <a:r>
+              <a:rPr lang="en-GB" baseline="0" dirty="0" err="1" smtClean="0"/>
+              <a:t>zijn</a:t>
+            </a:r>
+            <a:r>
+              <a:rPr lang="en-GB" baseline="0" dirty="0" smtClean="0"/>
+              <a:t> en </a:t>
+            </a:r>
+            <a:r>
+              <a:rPr lang="en-GB" baseline="0" dirty="0" err="1" smtClean="0"/>
+              <a:t>dit</a:t>
+            </a:r>
+            <a:r>
+              <a:rPr lang="en-GB" baseline="0" dirty="0" smtClean="0"/>
+              <a:t> </a:t>
+            </a:r>
+            <a:r>
+              <a:rPr lang="en-GB" baseline="0" dirty="0" err="1" smtClean="0"/>
+              <a:t>duurt</a:t>
+            </a:r>
+            <a:r>
+              <a:rPr lang="en-GB" baseline="0" dirty="0" smtClean="0"/>
+              <a:t> </a:t>
+            </a:r>
+            <a:r>
+              <a:rPr lang="en-GB" baseline="0" dirty="0" err="1" smtClean="0"/>
+              <a:t>enkele</a:t>
+            </a:r>
+            <a:r>
+              <a:rPr lang="en-GB" baseline="0" dirty="0" smtClean="0"/>
+              <a:t> </a:t>
+            </a:r>
+            <a:r>
+              <a:rPr lang="en-GB" baseline="0" dirty="0" err="1" smtClean="0"/>
+              <a:t>tientallen</a:t>
+            </a:r>
+            <a:r>
+              <a:rPr lang="en-GB" baseline="0" dirty="0" smtClean="0"/>
+              <a:t> </a:t>
+            </a:r>
+            <a:r>
+              <a:rPr lang="en-GB" baseline="0" dirty="0" err="1" smtClean="0"/>
+              <a:t>seconden</a:t>
+            </a:r>
+            <a:r>
+              <a:rPr lang="en-GB" baseline="0" dirty="0" smtClean="0"/>
+              <a:t> </a:t>
+            </a:r>
+            <a:r>
+              <a:rPr lang="en-GB" baseline="0" dirty="0" err="1" smtClean="0"/>
+              <a:t>waar</a:t>
+            </a:r>
+            <a:r>
+              <a:rPr lang="en-GB" baseline="0" dirty="0" smtClean="0"/>
+              <a:t> de queries op halt </a:t>
+            </a:r>
+            <a:r>
+              <a:rPr lang="en-GB" baseline="0" dirty="0" err="1" smtClean="0"/>
+              <a:t>worden</a:t>
+            </a:r>
+            <a:r>
+              <a:rPr lang="en-GB" baseline="0" dirty="0" smtClean="0"/>
+              <a:t> </a:t>
+            </a:r>
+            <a:r>
+              <a:rPr lang="en-GB" baseline="0" dirty="0" err="1" smtClean="0"/>
+              <a:t>gezet</a:t>
+            </a:r>
+            <a:r>
+              <a:rPr lang="en-GB" baseline="0" dirty="0" smtClean="0"/>
+              <a:t>. </a:t>
             </a:r>
             <a:endParaRPr lang="en-GB" dirty="0"/>
           </a:p>
@@ -2134,7 +3395,7 @@
             <a:fld id="{17C257C2-8D60-4760-88CB-024AF3EEC641}" type="slidenum">
               <a:rPr lang="nl-BE" smtClean="0"/>
               <a:pPr/>
-              <a:t>7</a:t>
+              <a:t>3</a:t>
             </a:fld>
             <a:endParaRPr lang="nl-BE"/>
           </a:p>
@@ -2143,7 +3404,7 @@
     </p:spTree>
     <p:extLst>
       <p:ext uri="{BB962C8B-B14F-4D97-AF65-F5344CB8AC3E}">
-        <p14:creationId xmlns:p14="http://schemas.microsoft.com/office/powerpoint/2010/main" val="649150480"/>
+        <p14:creationId xmlns:p14="http://schemas.microsoft.com/office/powerpoint/2010/main" val="3980192037"/>
       </p:ext>
     </p:extLst>
   </p:cSld>
@@ -2197,6 +3458,220 @@
           <a:bodyPr/>
           <a:lstStyle/>
           <a:p>
+            <a:r>
+              <a:rPr lang="en-GB" dirty="0" smtClean="0"/>
+              <a:t>Hadoop is de </a:t>
+            </a:r>
+            <a:r>
+              <a:rPr lang="en-GB" dirty="0" err="1" smtClean="0"/>
+              <a:t>achterliggende</a:t>
+            </a:r>
+            <a:r>
+              <a:rPr lang="en-GB" baseline="0" dirty="0" smtClean="0"/>
+              <a:t> data storage. </a:t>
+            </a:r>
+            <a:r>
+              <a:rPr lang="en-GB" baseline="0" dirty="0" err="1" smtClean="0"/>
+              <a:t>Bij</a:t>
+            </a:r>
+            <a:r>
+              <a:rPr lang="en-GB" baseline="0" dirty="0" smtClean="0"/>
+              <a:t> het </a:t>
+            </a:r>
+            <a:r>
+              <a:rPr lang="en-GB" baseline="0" dirty="0" err="1" smtClean="0"/>
+              <a:t>zacht</a:t>
+            </a:r>
+            <a:r>
+              <a:rPr lang="en-GB" baseline="0" dirty="0" smtClean="0"/>
+              <a:t> </a:t>
+            </a:r>
+            <a:r>
+              <a:rPr lang="en-GB" baseline="0" dirty="0" err="1" smtClean="0"/>
+              <a:t>stoppen</a:t>
+            </a:r>
+            <a:r>
+              <a:rPr lang="en-GB" baseline="0" dirty="0" smtClean="0"/>
+              <a:t> van </a:t>
+            </a:r>
+            <a:r>
+              <a:rPr lang="en-GB" baseline="0" dirty="0" err="1" smtClean="0"/>
+              <a:t>een</a:t>
+            </a:r>
+            <a:r>
+              <a:rPr lang="en-GB" baseline="0" dirty="0" smtClean="0"/>
+              <a:t> Hadoop </a:t>
+            </a:r>
+            <a:r>
+              <a:rPr lang="en-GB" baseline="0" dirty="0" err="1" smtClean="0"/>
+              <a:t>datanode</a:t>
+            </a:r>
+            <a:r>
+              <a:rPr lang="en-GB" baseline="0" dirty="0" smtClean="0"/>
+              <a:t> is </a:t>
+            </a:r>
+            <a:r>
+              <a:rPr lang="en-GB" baseline="0" dirty="0" err="1" smtClean="0"/>
+              <a:t>er</a:t>
+            </a:r>
+            <a:r>
+              <a:rPr lang="en-GB" baseline="0" dirty="0" smtClean="0"/>
+              <a:t> </a:t>
+            </a:r>
+            <a:r>
+              <a:rPr lang="en-GB" baseline="0" dirty="0" err="1" smtClean="0"/>
+              <a:t>een</a:t>
+            </a:r>
+            <a:r>
+              <a:rPr lang="en-GB" baseline="0" dirty="0" smtClean="0"/>
+              <a:t> </a:t>
+            </a:r>
+            <a:r>
+              <a:rPr lang="en-GB" baseline="0" dirty="0" err="1" smtClean="0"/>
+              <a:t>tijdelijke</a:t>
+            </a:r>
+            <a:r>
+              <a:rPr lang="en-GB" baseline="0" dirty="0" smtClean="0"/>
+              <a:t> </a:t>
+            </a:r>
+            <a:r>
+              <a:rPr lang="en-GB" baseline="0" dirty="0" err="1" smtClean="0"/>
+              <a:t>verhoging</a:t>
+            </a:r>
+            <a:r>
+              <a:rPr lang="en-GB" baseline="0" dirty="0" smtClean="0"/>
+              <a:t> in de latency. </a:t>
+            </a:r>
+            <a:r>
+              <a:rPr lang="en-GB" baseline="0" dirty="0" err="1" smtClean="0"/>
+              <a:t>Deze</a:t>
+            </a:r>
+            <a:r>
+              <a:rPr lang="en-GB" baseline="0" dirty="0" smtClean="0"/>
+              <a:t> </a:t>
+            </a:r>
+            <a:r>
+              <a:rPr lang="en-GB" baseline="0" dirty="0" err="1" smtClean="0"/>
+              <a:t>piek</a:t>
+            </a:r>
+            <a:r>
+              <a:rPr lang="en-GB" baseline="0" dirty="0" smtClean="0"/>
+              <a:t> is </a:t>
+            </a:r>
+            <a:r>
+              <a:rPr lang="en-GB" baseline="0" dirty="0" err="1" smtClean="0"/>
+              <a:t>gelimiteerd</a:t>
+            </a:r>
+            <a:r>
+              <a:rPr lang="en-GB" baseline="0" dirty="0" smtClean="0"/>
+              <a:t> tot </a:t>
+            </a:r>
+            <a:r>
+              <a:rPr lang="en-GB" baseline="0" dirty="0" err="1" smtClean="0"/>
+              <a:t>een</a:t>
+            </a:r>
+            <a:r>
+              <a:rPr lang="en-GB" baseline="0" dirty="0" smtClean="0"/>
+              <a:t> </a:t>
+            </a:r>
+            <a:r>
+              <a:rPr lang="en-GB" baseline="0" dirty="0" err="1" smtClean="0"/>
+              <a:t>verhoging</a:t>
+            </a:r>
+            <a:r>
+              <a:rPr lang="en-GB" baseline="0" dirty="0" smtClean="0"/>
+              <a:t> van </a:t>
+            </a:r>
+            <a:r>
+              <a:rPr lang="en-GB" baseline="0" dirty="0" err="1" smtClean="0"/>
+              <a:t>een</a:t>
+            </a:r>
+            <a:r>
+              <a:rPr lang="en-GB" baseline="0" dirty="0" smtClean="0"/>
+              <a:t> </a:t>
+            </a:r>
+            <a:r>
+              <a:rPr lang="en-GB" baseline="0" dirty="0" err="1" smtClean="0"/>
+              <a:t>tiental</a:t>
+            </a:r>
+            <a:r>
+              <a:rPr lang="en-GB" baseline="0" dirty="0" smtClean="0"/>
+              <a:t> </a:t>
+            </a:r>
+            <a:r>
+              <a:rPr lang="en-GB" baseline="0" dirty="0" err="1" smtClean="0"/>
+              <a:t>miliseconden</a:t>
+            </a:r>
+            <a:r>
+              <a:rPr lang="en-GB" baseline="0" dirty="0" smtClean="0"/>
+              <a:t>. </a:t>
+            </a:r>
+          </a:p>
+          <a:p>
+            <a:r>
+              <a:rPr lang="en-GB" baseline="0" dirty="0" err="1" smtClean="0"/>
+              <a:t>Achteraf</a:t>
+            </a:r>
+            <a:r>
+              <a:rPr lang="en-GB" baseline="0" dirty="0" smtClean="0"/>
+              <a:t> is </a:t>
+            </a:r>
+            <a:r>
+              <a:rPr lang="en-GB" baseline="0" dirty="0" err="1" smtClean="0"/>
+              <a:t>er</a:t>
+            </a:r>
+            <a:r>
+              <a:rPr lang="en-GB" baseline="0" dirty="0" smtClean="0"/>
+              <a:t> net </a:t>
+            </a:r>
+            <a:r>
+              <a:rPr lang="en-GB" baseline="0" dirty="0" err="1" smtClean="0"/>
+              <a:t>zoals</a:t>
+            </a:r>
+            <a:r>
+              <a:rPr lang="en-GB" baseline="0" dirty="0" smtClean="0"/>
+              <a:t> </a:t>
+            </a:r>
+            <a:r>
+              <a:rPr lang="en-GB" baseline="0" dirty="0" err="1" smtClean="0"/>
+              <a:t>bij</a:t>
+            </a:r>
+            <a:r>
+              <a:rPr lang="en-GB" baseline="0" dirty="0" smtClean="0"/>
+              <a:t> het </a:t>
+            </a:r>
+            <a:r>
+              <a:rPr lang="en-GB" baseline="0" dirty="0" err="1" smtClean="0"/>
+              <a:t>stoppen</a:t>
+            </a:r>
+            <a:r>
+              <a:rPr lang="en-GB" baseline="0" dirty="0" smtClean="0"/>
+              <a:t> van </a:t>
+            </a:r>
+            <a:r>
+              <a:rPr lang="en-GB" baseline="0" dirty="0" err="1" smtClean="0"/>
+              <a:t>regionservers</a:t>
+            </a:r>
+            <a:r>
+              <a:rPr lang="en-GB" baseline="0" dirty="0" smtClean="0"/>
+              <a:t>, </a:t>
+            </a:r>
+            <a:r>
+              <a:rPr lang="en-GB" baseline="0" dirty="0" err="1" smtClean="0"/>
+              <a:t>geen</a:t>
+            </a:r>
+            <a:r>
+              <a:rPr lang="en-GB" baseline="0" dirty="0" smtClean="0"/>
+              <a:t> </a:t>
+            </a:r>
+            <a:r>
+              <a:rPr lang="en-GB" baseline="0" dirty="0" err="1" smtClean="0"/>
+              <a:t>invloed</a:t>
+            </a:r>
+            <a:r>
+              <a:rPr lang="en-GB" baseline="0" dirty="0" smtClean="0"/>
+              <a:t> op de latency. </a:t>
+            </a:r>
             <a:endParaRPr lang="en-GB" dirty="0"/>
           </a:p>
         </p:txBody>
@@ -2219,7 +3694,7 @@
             <a:fld id="{17C257C2-8D60-4760-88CB-024AF3EEC641}" type="slidenum">
               <a:rPr lang="nl-BE" smtClean="0"/>
               <a:pPr/>
-              <a:t>9</a:t>
+              <a:t>4</a:t>
             </a:fld>
             <a:endParaRPr lang="nl-BE"/>
           </a:p>
@@ -2228,7 +3703,7 @@
     </p:spTree>
     <p:extLst>
       <p:ext uri="{BB962C8B-B14F-4D97-AF65-F5344CB8AC3E}">
-        <p14:creationId xmlns:p14="http://schemas.microsoft.com/office/powerpoint/2010/main" val="1034278250"/>
+        <p14:creationId xmlns:p14="http://schemas.microsoft.com/office/powerpoint/2010/main" val="3345204143"/>
       </p:ext>
     </p:extLst>
   </p:cSld>
@@ -2282,6 +3757,90 @@
           <a:bodyPr/>
           <a:lstStyle/>
           <a:p>
+            <a:r>
+              <a:rPr lang="en-GB" dirty="0" err="1" smtClean="0"/>
+              <a:t>Bij</a:t>
+            </a:r>
+            <a:r>
+              <a:rPr lang="en-GB" dirty="0" smtClean="0"/>
+              <a:t> het hard stop </a:t>
+            </a:r>
+            <a:r>
+              <a:rPr lang="en-GB" dirty="0" err="1" smtClean="0"/>
+              <a:t>zetten</a:t>
+            </a:r>
+            <a:r>
+              <a:rPr lang="en-GB" dirty="0" smtClean="0"/>
+              <a:t> van </a:t>
+            </a:r>
+            <a:r>
+              <a:rPr lang="en-GB" dirty="0" err="1" smtClean="0"/>
+              <a:t>een</a:t>
+            </a:r>
+            <a:r>
+              <a:rPr lang="en-GB" dirty="0" smtClean="0"/>
+              <a:t> Hadoop</a:t>
+            </a:r>
+            <a:r>
+              <a:rPr lang="en-GB" baseline="0" dirty="0" smtClean="0"/>
+              <a:t> </a:t>
+            </a:r>
+            <a:r>
+              <a:rPr lang="en-GB" baseline="0" dirty="0" err="1" smtClean="0"/>
+              <a:t>datanode</a:t>
+            </a:r>
+            <a:r>
+              <a:rPr lang="en-GB" baseline="0" dirty="0" smtClean="0"/>
+              <a:t>, is de situate </a:t>
+            </a:r>
+            <a:r>
+              <a:rPr lang="en-GB" baseline="0" dirty="0" err="1" smtClean="0"/>
+              <a:t>gelijkaardig</a:t>
+            </a:r>
+            <a:r>
+              <a:rPr lang="en-GB" baseline="0" dirty="0" smtClean="0"/>
+              <a:t> </a:t>
+            </a:r>
+            <a:r>
+              <a:rPr lang="en-GB" baseline="0" dirty="0" err="1" smtClean="0"/>
+              <a:t>aan</a:t>
+            </a:r>
+            <a:r>
+              <a:rPr lang="en-GB" baseline="0" dirty="0" smtClean="0"/>
+              <a:t> </a:t>
+            </a:r>
+            <a:r>
+              <a:rPr lang="en-GB" baseline="0" dirty="0" err="1" smtClean="0"/>
+              <a:t>deze</a:t>
+            </a:r>
+            <a:r>
+              <a:rPr lang="en-GB" baseline="0" dirty="0" smtClean="0"/>
+              <a:t> van het </a:t>
+            </a:r>
+            <a:r>
+              <a:rPr lang="en-GB" baseline="0" dirty="0" err="1" smtClean="0"/>
+              <a:t>zacht</a:t>
+            </a:r>
+            <a:r>
+              <a:rPr lang="en-GB" baseline="0" dirty="0" smtClean="0"/>
+              <a:t> stop </a:t>
+            </a:r>
+            <a:r>
+              <a:rPr lang="en-GB" baseline="0" dirty="0" err="1" smtClean="0"/>
+              <a:t>zetten</a:t>
+            </a:r>
+            <a:r>
+              <a:rPr lang="en-GB" baseline="0" dirty="0" smtClean="0"/>
+              <a:t> van </a:t>
+            </a:r>
+            <a:r>
+              <a:rPr lang="en-GB" baseline="0" dirty="0" err="1" smtClean="0"/>
+              <a:t>deze</a:t>
+            </a:r>
+            <a:r>
+              <a:rPr lang="en-GB" baseline="0" dirty="0" smtClean="0"/>
+              <a:t> node. </a:t>
+            </a:r>
             <a:endParaRPr lang="en-GB" dirty="0"/>
           </a:p>
         </p:txBody>
@@ -2304,7 +3863,7 @@
             <a:fld id="{17C257C2-8D60-4760-88CB-024AF3EEC641}" type="slidenum">
               <a:rPr lang="nl-BE" smtClean="0"/>
               <a:pPr/>
-              <a:t>10</a:t>
+              <a:t>5</a:t>
             </a:fld>
             <a:endParaRPr lang="nl-BE"/>
           </a:p>
@@ -2313,7 +3872,7 @@
     </p:spTree>
     <p:extLst>
       <p:ext uri="{BB962C8B-B14F-4D97-AF65-F5344CB8AC3E}">
-        <p14:creationId xmlns:p14="http://schemas.microsoft.com/office/powerpoint/2010/main" val="1536735326"/>
+        <p14:creationId xmlns:p14="http://schemas.microsoft.com/office/powerpoint/2010/main" val="1402923953"/>
       </p:ext>
     </p:extLst>
   </p:cSld>
@@ -2389,7 +3948,7 @@
             <a:fld id="{17C257C2-8D60-4760-88CB-024AF3EEC641}" type="slidenum">
               <a:rPr lang="nl-BE" smtClean="0"/>
               <a:pPr/>
-              <a:t>11</a:t>
+              <a:t>6</a:t>
             </a:fld>
             <a:endParaRPr lang="nl-BE"/>
           </a:p>
@@ -2398,7 +3957,7 @@
     </p:spTree>
     <p:extLst>
       <p:ext uri="{BB962C8B-B14F-4D97-AF65-F5344CB8AC3E}">
-        <p14:creationId xmlns:p14="http://schemas.microsoft.com/office/powerpoint/2010/main" val="4193927735"/>
+        <p14:creationId xmlns:p14="http://schemas.microsoft.com/office/powerpoint/2010/main" val="1922733155"/>
       </p:ext>
     </p:extLst>
   </p:cSld>
@@ -2452,6 +4011,256 @@
           <a:bodyPr/>
           <a:lstStyle/>
           <a:p>
+            <a:r>
+              <a:rPr lang="en-GB" dirty="0" err="1" smtClean="0"/>
+              <a:t>HBase</a:t>
+            </a:r>
+            <a:r>
+              <a:rPr lang="en-GB" baseline="0" dirty="0" smtClean="0"/>
+              <a:t> </a:t>
+            </a:r>
+            <a:r>
+              <a:rPr lang="en-GB" baseline="0" dirty="0" err="1" smtClean="0"/>
+              <a:t>levert</a:t>
+            </a:r>
+            <a:r>
+              <a:rPr lang="en-GB" baseline="0" dirty="0" smtClean="0"/>
+              <a:t> strong consistency, </a:t>
+            </a:r>
+            <a:r>
+              <a:rPr lang="en-GB" baseline="0" dirty="0" err="1" smtClean="0"/>
+              <a:t>hoewel</a:t>
+            </a:r>
+            <a:r>
+              <a:rPr lang="en-GB" baseline="0" dirty="0" smtClean="0"/>
+              <a:t> </a:t>
+            </a:r>
+            <a:r>
+              <a:rPr lang="en-GB" baseline="0" dirty="0" err="1" smtClean="0"/>
+              <a:t>uit</a:t>
+            </a:r>
+            <a:r>
+              <a:rPr lang="en-GB" baseline="0" dirty="0" smtClean="0"/>
+              <a:t> </a:t>
+            </a:r>
+            <a:r>
+              <a:rPr lang="en-GB" baseline="0" dirty="0" err="1" smtClean="0"/>
+              <a:t>deze</a:t>
+            </a:r>
+            <a:r>
+              <a:rPr lang="en-GB" baseline="0" dirty="0" smtClean="0"/>
+              <a:t> </a:t>
+            </a:r>
+            <a:r>
+              <a:rPr lang="en-GB" baseline="0" dirty="0" err="1" smtClean="0"/>
+              <a:t>figuur</a:t>
+            </a:r>
+            <a:r>
+              <a:rPr lang="en-GB" baseline="0" dirty="0" smtClean="0"/>
+              <a:t> </a:t>
+            </a:r>
+            <a:r>
+              <a:rPr lang="en-GB" baseline="0" dirty="0" err="1" smtClean="0"/>
+              <a:t>lijkt</a:t>
+            </a:r>
+            <a:r>
+              <a:rPr lang="en-GB" baseline="0" dirty="0" smtClean="0"/>
+              <a:t> </a:t>
+            </a:r>
+            <a:r>
+              <a:rPr lang="en-GB" baseline="0" dirty="0" err="1" smtClean="0"/>
+              <a:t>dat</a:t>
+            </a:r>
+            <a:r>
+              <a:rPr lang="en-GB" baseline="0" dirty="0" smtClean="0"/>
+              <a:t> </a:t>
+            </a:r>
+            <a:r>
+              <a:rPr lang="en-GB" baseline="0" dirty="0" err="1" smtClean="0"/>
+              <a:t>er</a:t>
+            </a:r>
+            <a:r>
+              <a:rPr lang="en-GB" baseline="0" dirty="0" smtClean="0"/>
+              <a:t> op </a:t>
+            </a:r>
+            <a:r>
+              <a:rPr lang="en-GB" baseline="0" dirty="0" err="1" smtClean="0"/>
+              <a:t>bepaalde</a:t>
+            </a:r>
+            <a:r>
+              <a:rPr lang="en-GB" baseline="0" dirty="0" smtClean="0"/>
+              <a:t> </a:t>
+            </a:r>
+            <a:r>
+              <a:rPr lang="en-GB" baseline="0" dirty="0" err="1" smtClean="0"/>
+              <a:t>momenten</a:t>
+            </a:r>
+            <a:r>
+              <a:rPr lang="en-GB" baseline="0" dirty="0" smtClean="0"/>
+              <a:t> nog </a:t>
+            </a:r>
+            <a:r>
+              <a:rPr lang="en-GB" baseline="0" dirty="0" err="1" smtClean="0"/>
+              <a:t>oude</a:t>
+            </a:r>
+            <a:r>
+              <a:rPr lang="en-GB" baseline="0" dirty="0" smtClean="0"/>
+              <a:t> data </a:t>
+            </a:r>
+            <a:r>
+              <a:rPr lang="en-GB" baseline="0" dirty="0" err="1" smtClean="0"/>
+              <a:t>wordt</a:t>
+            </a:r>
+            <a:r>
+              <a:rPr lang="en-GB" baseline="0" dirty="0" smtClean="0"/>
+              <a:t> </a:t>
+            </a:r>
+            <a:r>
+              <a:rPr lang="en-GB" baseline="0" dirty="0" err="1" smtClean="0"/>
+              <a:t>gelezen</a:t>
+            </a:r>
+            <a:r>
+              <a:rPr lang="en-GB" baseline="0" dirty="0" smtClean="0"/>
+              <a:t>. </a:t>
+            </a:r>
+          </a:p>
+          <a:p>
+            <a:r>
+              <a:rPr lang="en-GB" baseline="0" dirty="0" err="1" smtClean="0"/>
+              <a:t>Als</a:t>
+            </a:r>
+            <a:r>
+              <a:rPr lang="en-GB" baseline="0" dirty="0" smtClean="0"/>
+              <a:t> </a:t>
+            </a:r>
+            <a:r>
+              <a:rPr lang="en-GB" baseline="0" dirty="0" err="1" smtClean="0"/>
+              <a:t>er</a:t>
+            </a:r>
+            <a:r>
+              <a:rPr lang="en-GB" baseline="0" dirty="0" smtClean="0"/>
+              <a:t> in </a:t>
+            </a:r>
+            <a:r>
+              <a:rPr lang="en-GB" baseline="0" dirty="0" err="1" smtClean="0"/>
+              <a:t>volgende</a:t>
+            </a:r>
+            <a:r>
+              <a:rPr lang="en-GB" baseline="0" dirty="0" smtClean="0"/>
+              <a:t> </a:t>
+            </a:r>
+            <a:r>
+              <a:rPr lang="en-GB" baseline="0" dirty="0" err="1" smtClean="0"/>
+              <a:t>figuren</a:t>
+            </a:r>
+            <a:r>
+              <a:rPr lang="en-GB" baseline="0" dirty="0" smtClean="0"/>
+              <a:t> (</a:t>
+            </a:r>
+            <a:r>
+              <a:rPr lang="en-GB" baseline="0" dirty="0" err="1" smtClean="0"/>
+              <a:t>volgende</a:t>
+            </a:r>
+            <a:r>
+              <a:rPr lang="en-GB" baseline="0" dirty="0" smtClean="0"/>
+              <a:t> slides), </a:t>
+            </a:r>
+            <a:r>
+              <a:rPr lang="en-GB" baseline="0" dirty="0" err="1" smtClean="0"/>
+              <a:t>meer</a:t>
+            </a:r>
+            <a:r>
+              <a:rPr lang="en-GB" baseline="0" dirty="0" smtClean="0"/>
+              <a:t> in detail </a:t>
+            </a:r>
+            <a:r>
+              <a:rPr lang="en-GB" baseline="0" dirty="0" err="1" smtClean="0"/>
+              <a:t>gekeken</a:t>
+            </a:r>
+            <a:r>
+              <a:rPr lang="en-GB" baseline="0" dirty="0" smtClean="0"/>
+              <a:t> </a:t>
+            </a:r>
+            <a:r>
+              <a:rPr lang="en-GB" baseline="0" dirty="0" err="1" smtClean="0"/>
+              <a:t>wordt</a:t>
+            </a:r>
+            <a:r>
+              <a:rPr lang="en-GB" baseline="0" dirty="0" smtClean="0"/>
+              <a:t> hoe </a:t>
+            </a:r>
+            <a:r>
+              <a:rPr lang="en-GB" baseline="0" dirty="0" err="1" smtClean="0"/>
+              <a:t>deze</a:t>
+            </a:r>
+            <a:r>
+              <a:rPr lang="en-GB" baseline="0" dirty="0" smtClean="0"/>
+              <a:t> </a:t>
+            </a:r>
+            <a:r>
+              <a:rPr lang="en-GB" baseline="0" dirty="0" err="1" smtClean="0"/>
+              <a:t>situaties</a:t>
+            </a:r>
+            <a:r>
+              <a:rPr lang="en-GB" baseline="0" dirty="0" smtClean="0"/>
+              <a:t> </a:t>
+            </a:r>
+            <a:r>
+              <a:rPr lang="en-GB" baseline="0" dirty="0" err="1" smtClean="0"/>
+              <a:t>eruit</a:t>
+            </a:r>
+            <a:r>
+              <a:rPr lang="en-GB" baseline="0" dirty="0" smtClean="0"/>
+              <a:t> </a:t>
+            </a:r>
+            <a:r>
+              <a:rPr lang="en-GB" baseline="0" dirty="0" err="1" smtClean="0"/>
+              <a:t>zien</a:t>
+            </a:r>
+            <a:r>
+              <a:rPr lang="en-GB" baseline="0" dirty="0" smtClean="0"/>
+              <a:t>, </a:t>
+            </a:r>
+            <a:r>
+              <a:rPr lang="en-GB" baseline="0" dirty="0" err="1" smtClean="0"/>
+              <a:t>dan</a:t>
+            </a:r>
+            <a:r>
+              <a:rPr lang="en-GB" baseline="0" dirty="0" smtClean="0"/>
+              <a:t> </a:t>
+            </a:r>
+            <a:r>
+              <a:rPr lang="en-GB" baseline="0" dirty="0" err="1" smtClean="0"/>
+              <a:t>wordt</a:t>
+            </a:r>
+            <a:r>
+              <a:rPr lang="en-GB" baseline="0" dirty="0" smtClean="0"/>
+              <a:t> het </a:t>
+            </a:r>
+            <a:r>
+              <a:rPr lang="en-GB" baseline="0" dirty="0" err="1" smtClean="0"/>
+              <a:t>ook</a:t>
+            </a:r>
+            <a:r>
+              <a:rPr lang="en-GB" baseline="0" dirty="0" smtClean="0"/>
+              <a:t> </a:t>
+            </a:r>
+            <a:r>
+              <a:rPr lang="en-GB" baseline="0" dirty="0" err="1" smtClean="0"/>
+              <a:t>duidelijk</a:t>
+            </a:r>
+            <a:r>
+              <a:rPr lang="en-GB" baseline="0" dirty="0" smtClean="0"/>
+              <a:t> hoe het </a:t>
+            </a:r>
+            <a:r>
+              <a:rPr lang="en-GB" baseline="0" dirty="0" err="1" smtClean="0"/>
+              <a:t>komt</a:t>
+            </a:r>
+            <a:r>
+              <a:rPr lang="en-GB" baseline="0" dirty="0" smtClean="0"/>
+              <a:t>. </a:t>
+            </a:r>
             <a:endParaRPr lang="en-GB" dirty="0"/>
           </a:p>
         </p:txBody>
@@ -2474,7 +4283,7 @@
             <a:fld id="{17C257C2-8D60-4760-88CB-024AF3EEC641}" type="slidenum">
               <a:rPr lang="nl-BE" smtClean="0"/>
               <a:pPr/>
-              <a:t>12</a:t>
+              <a:t>7</a:t>
             </a:fld>
             <a:endParaRPr lang="nl-BE"/>
           </a:p>
@@ -2483,7 +4292,417 @@
     </p:spTree>
     <p:extLst>
       <p:ext uri="{BB962C8B-B14F-4D97-AF65-F5344CB8AC3E}">
-        <p14:creationId xmlns:p14="http://schemas.microsoft.com/office/powerpoint/2010/main" val="605193869"/>
+        <p14:creationId xmlns:p14="http://schemas.microsoft.com/office/powerpoint/2010/main" val="649150480"/>
+      </p:ext>
+    </p:extLst>
+  </p:cSld>
+  <p:clrMapOvr>
+    <a:masterClrMapping/>
+  </p:clrMapOvr>
+</p:notes>
+</file>
+
+<file path=ppt/notesSlides/notesSlide8.xml><?xml version="1.0" encoding="utf-8"?>
+<p:notes xmlns:a="http://schemas.openxmlformats.org/drawingml/2006/main" xmlns:r="http://schemas.openxmlformats.org/officeDocument/2006/relationships" xmlns:p="http://schemas.openxmlformats.org/presentationml/2006/main">
+  <p:cSld>
+    <p:spTree>
+      <p:nvGrpSpPr>
+        <p:cNvPr id="1" name=""/>
+        <p:cNvGrpSpPr/>
+        <p:nvPr/>
+      </p:nvGrpSpPr>
+      <p:grpSpPr>
+        <a:xfrm>
+          <a:off x="0" y="0"/>
+          <a:ext cx="0" cy="0"/>
+          <a:chOff x="0" y="0"/>
+          <a:chExt cx="0" cy="0"/>
+        </a:xfrm>
+      </p:grpSpPr>
+      <p:sp>
+        <p:nvSpPr>
+          <p:cNvPr id="2" name="Slide Image Placeholder 1"/>
+          <p:cNvSpPr>
+            <a:spLocks noGrp="1" noRot="1" noChangeAspect="1"/>
+          </p:cNvSpPr>
+          <p:nvPr>
+            <p:ph type="sldImg"/>
+          </p:nvPr>
+        </p:nvSpPr>
+        <p:spPr/>
+      </p:sp>
+      <p:sp>
+        <p:nvSpPr>
+          <p:cNvPr id="3" name="Notes Placeholder 2"/>
+          <p:cNvSpPr>
+            <a:spLocks noGrp="1"/>
+          </p:cNvSpPr>
+          <p:nvPr>
+            <p:ph type="body" idx="1"/>
+          </p:nvPr>
+        </p:nvSpPr>
+        <p:spPr/>
+        <p:txBody>
+          <a:bodyPr/>
+          <a:lstStyle/>
+          <a:p>
+            <a:r>
+              <a:rPr lang="en-GB" dirty="0" err="1" smtClean="0"/>
+              <a:t>Bijna</a:t>
+            </a:r>
+            <a:r>
+              <a:rPr lang="en-GB" baseline="0" dirty="0" smtClean="0"/>
+              <a:t> </a:t>
+            </a:r>
+            <a:r>
+              <a:rPr lang="en-GB" baseline="0" dirty="0" err="1" smtClean="0"/>
+              <a:t>alle</a:t>
+            </a:r>
+            <a:r>
+              <a:rPr lang="en-GB" baseline="0" dirty="0" smtClean="0"/>
+              <a:t> </a:t>
+            </a:r>
+            <a:r>
+              <a:rPr lang="en-GB" baseline="0" dirty="0" err="1" smtClean="0"/>
+              <a:t>eerste</a:t>
+            </a:r>
+            <a:r>
+              <a:rPr lang="en-GB" baseline="0" dirty="0" smtClean="0"/>
+              <a:t> </a:t>
+            </a:r>
+            <a:r>
+              <a:rPr lang="en-GB" baseline="0" dirty="0" err="1" smtClean="0"/>
+              <a:t>leespogingen</a:t>
+            </a:r>
+            <a:r>
+              <a:rPr lang="en-GB" baseline="0" dirty="0" smtClean="0"/>
+              <a:t> van reader 0 </a:t>
+            </a:r>
+            <a:r>
+              <a:rPr lang="en-GB" baseline="0" dirty="0" err="1" smtClean="0"/>
+              <a:t>hebben</a:t>
+            </a:r>
+            <a:r>
+              <a:rPr lang="en-GB" baseline="0" dirty="0" smtClean="0"/>
+              <a:t> </a:t>
+            </a:r>
+            <a:r>
+              <a:rPr lang="en-GB" baseline="0" dirty="0" err="1" smtClean="0"/>
+              <a:t>als</a:t>
+            </a:r>
+            <a:r>
+              <a:rPr lang="en-GB" baseline="0" dirty="0" smtClean="0"/>
+              <a:t> </a:t>
+            </a:r>
+            <a:r>
+              <a:rPr lang="en-GB" baseline="0" dirty="0" err="1" smtClean="0"/>
+              <a:t>resultaat</a:t>
+            </a:r>
+            <a:r>
+              <a:rPr lang="en-GB" baseline="0" dirty="0" smtClean="0"/>
+              <a:t> de </a:t>
+            </a:r>
+            <a:r>
+              <a:rPr lang="en-GB" baseline="0" dirty="0" err="1" smtClean="0"/>
+              <a:t>oude</a:t>
+            </a:r>
+            <a:r>
+              <a:rPr lang="en-GB" baseline="0" dirty="0" smtClean="0"/>
+              <a:t> </a:t>
+            </a:r>
+            <a:r>
+              <a:rPr lang="en-GB" baseline="0" dirty="0" err="1" smtClean="0"/>
+              <a:t>waarde</a:t>
+            </a:r>
+            <a:r>
+              <a:rPr lang="en-GB" baseline="0" dirty="0" smtClean="0"/>
+              <a:t> (of null </a:t>
+            </a:r>
+            <a:r>
+              <a:rPr lang="en-GB" baseline="0" dirty="0" err="1" smtClean="0"/>
+              <a:t>indien</a:t>
+            </a:r>
+            <a:r>
+              <a:rPr lang="en-GB" baseline="0" dirty="0" smtClean="0"/>
+              <a:t> het record nog </a:t>
+            </a:r>
+            <a:r>
+              <a:rPr lang="en-GB" baseline="0" dirty="0" err="1" smtClean="0"/>
+              <a:t>niet</a:t>
+            </a:r>
+            <a:r>
+              <a:rPr lang="en-GB" baseline="0" dirty="0" smtClean="0"/>
+              <a:t> </a:t>
+            </a:r>
+            <a:r>
+              <a:rPr lang="en-GB" baseline="0" dirty="0" err="1" smtClean="0"/>
+              <a:t>bestond</a:t>
+            </a:r>
+            <a:r>
+              <a:rPr lang="en-GB" baseline="0" dirty="0" smtClean="0"/>
+              <a:t> </a:t>
+            </a:r>
+            <a:r>
+              <a:rPr lang="en-GB" baseline="0" dirty="0" err="1" smtClean="0"/>
+              <a:t>voordien</a:t>
+            </a:r>
+            <a:r>
+              <a:rPr lang="en-GB" baseline="0" dirty="0" smtClean="0"/>
+              <a:t>). De </a:t>
+            </a:r>
+            <a:r>
+              <a:rPr lang="en-GB" baseline="0" dirty="0" err="1" smtClean="0"/>
+              <a:t>reden</a:t>
+            </a:r>
+            <a:r>
+              <a:rPr lang="en-GB" baseline="0" dirty="0" smtClean="0"/>
+              <a:t> </a:t>
+            </a:r>
+            <a:r>
+              <a:rPr lang="en-GB" baseline="0" dirty="0" err="1" smtClean="0"/>
+              <a:t>voor</a:t>
+            </a:r>
+            <a:r>
+              <a:rPr lang="en-GB" baseline="0" dirty="0" smtClean="0"/>
+              <a:t> </a:t>
+            </a:r>
+            <a:r>
+              <a:rPr lang="en-GB" baseline="0" dirty="0" err="1" smtClean="0"/>
+              <a:t>dit</a:t>
+            </a:r>
+            <a:r>
+              <a:rPr lang="en-GB" baseline="0" dirty="0" smtClean="0"/>
+              <a:t> </a:t>
+            </a:r>
+            <a:r>
+              <a:rPr lang="en-GB" baseline="0" dirty="0" err="1" smtClean="0"/>
+              <a:t>resultaat</a:t>
+            </a:r>
+            <a:r>
+              <a:rPr lang="en-GB" baseline="0" dirty="0" smtClean="0"/>
+              <a:t> </a:t>
+            </a:r>
+            <a:r>
+              <a:rPr lang="en-GB" baseline="0" dirty="0" err="1" smtClean="0"/>
+              <a:t>komt</a:t>
+            </a:r>
+            <a:r>
+              <a:rPr lang="en-GB" baseline="0" dirty="0" smtClean="0"/>
+              <a:t> </a:t>
+            </a:r>
+            <a:r>
+              <a:rPr lang="en-GB" baseline="0" dirty="0" err="1" smtClean="0"/>
+              <a:t>omdat</a:t>
+            </a:r>
+            <a:r>
+              <a:rPr lang="en-GB" baseline="0" dirty="0" smtClean="0"/>
+              <a:t> de </a:t>
+            </a:r>
+            <a:r>
+              <a:rPr lang="en-GB" baseline="0" dirty="0" err="1" smtClean="0"/>
+              <a:t>schrijfoperatie</a:t>
+            </a:r>
+            <a:r>
+              <a:rPr lang="en-GB" baseline="0" dirty="0" smtClean="0"/>
+              <a:t> nog </a:t>
+            </a:r>
+            <a:r>
+              <a:rPr lang="en-GB" baseline="0" dirty="0" err="1" smtClean="0"/>
+              <a:t>niet</a:t>
+            </a:r>
+            <a:r>
+              <a:rPr lang="en-GB" baseline="0" dirty="0" smtClean="0"/>
+              <a:t> </a:t>
+            </a:r>
+            <a:r>
+              <a:rPr lang="en-GB" baseline="0" dirty="0" err="1" smtClean="0"/>
+              <a:t>voltooid</a:t>
+            </a:r>
+            <a:r>
+              <a:rPr lang="en-GB" baseline="0" dirty="0" smtClean="0"/>
+              <a:t> is op het moment van </a:t>
+            </a:r>
+            <a:r>
+              <a:rPr lang="en-GB" baseline="0" dirty="0" err="1" smtClean="0"/>
+              <a:t>lezen</a:t>
+            </a:r>
+            <a:r>
+              <a:rPr lang="en-GB" baseline="0" dirty="0" smtClean="0"/>
+              <a:t>. </a:t>
+            </a:r>
+            <a:r>
+              <a:rPr lang="en-GB" baseline="0" dirty="0" err="1" smtClean="0"/>
+              <a:t>Bij</a:t>
+            </a:r>
+            <a:r>
+              <a:rPr lang="en-GB" baseline="0" dirty="0" smtClean="0"/>
+              <a:t> de </a:t>
+            </a:r>
+            <a:r>
+              <a:rPr lang="en-GB" baseline="0" dirty="0" err="1" smtClean="0"/>
+              <a:t>tweede</a:t>
+            </a:r>
+            <a:r>
+              <a:rPr lang="en-GB" baseline="0" dirty="0" smtClean="0"/>
+              <a:t> </a:t>
+            </a:r>
+            <a:r>
+              <a:rPr lang="en-GB" baseline="0" dirty="0" err="1" smtClean="0"/>
+              <a:t>keer</a:t>
+            </a:r>
+            <a:r>
+              <a:rPr lang="en-GB" baseline="0" dirty="0" smtClean="0"/>
+              <a:t> </a:t>
+            </a:r>
+            <a:r>
+              <a:rPr lang="en-GB" baseline="0" dirty="0" err="1" smtClean="0"/>
+              <a:t>lezen</a:t>
+            </a:r>
+            <a:r>
+              <a:rPr lang="en-GB" baseline="0" dirty="0" smtClean="0"/>
+              <a:t> is de data </a:t>
+            </a:r>
+            <a:r>
+              <a:rPr lang="en-GB" baseline="0" dirty="0" err="1" smtClean="0"/>
+              <a:t>weggeschreven</a:t>
+            </a:r>
+            <a:r>
+              <a:rPr lang="en-GB" baseline="0" dirty="0" smtClean="0"/>
+              <a:t> en </a:t>
+            </a:r>
+            <a:r>
+              <a:rPr lang="en-GB" baseline="0" dirty="0" err="1" smtClean="0"/>
+              <a:t>ook</a:t>
+            </a:r>
+            <a:r>
+              <a:rPr lang="en-GB" baseline="0" dirty="0" smtClean="0"/>
+              <a:t> </a:t>
+            </a:r>
+            <a:r>
+              <a:rPr lang="en-GB" baseline="0" dirty="0" err="1" smtClean="0"/>
+              <a:t>beschikbaar</a:t>
+            </a:r>
+            <a:r>
+              <a:rPr lang="en-GB" baseline="0" dirty="0" smtClean="0"/>
+              <a:t>. </a:t>
+            </a:r>
+            <a:endParaRPr lang="en-GB" dirty="0"/>
+          </a:p>
+        </p:txBody>
+      </p:sp>
+      <p:sp>
+        <p:nvSpPr>
+          <p:cNvPr id="4" name="Slide Number Placeholder 3"/>
+          <p:cNvSpPr>
+            <a:spLocks noGrp="1"/>
+          </p:cNvSpPr>
+          <p:nvPr>
+            <p:ph type="sldNum" sz="quarter" idx="10"/>
+          </p:nvPr>
+        </p:nvSpPr>
+        <p:spPr/>
+        <p:txBody>
+          <a:bodyPr/>
+          <a:lstStyle/>
+          <a:p>
+            <a:fld id="{17C257C2-8D60-4760-88CB-024AF3EEC641}" type="slidenum">
+              <a:rPr lang="nl-BE" smtClean="0"/>
+              <a:pPr/>
+              <a:t>8</a:t>
+            </a:fld>
+            <a:endParaRPr lang="nl-BE"/>
+          </a:p>
+        </p:txBody>
+      </p:sp>
+    </p:spTree>
+    <p:extLst>
+      <p:ext uri="{BB962C8B-B14F-4D97-AF65-F5344CB8AC3E}">
+        <p14:creationId xmlns:p14="http://schemas.microsoft.com/office/powerpoint/2010/main" val="2908638360"/>
+      </p:ext>
+    </p:extLst>
+  </p:cSld>
+  <p:clrMapOvr>
+    <a:masterClrMapping/>
+  </p:clrMapOvr>
+</p:notes>
+</file>
+
+<file path=ppt/notesSlides/notesSlide9.xml><?xml version="1.0" encoding="utf-8"?>
+<p:notes xmlns:a="http://schemas.openxmlformats.org/drawingml/2006/main" xmlns:r="http://schemas.openxmlformats.org/officeDocument/2006/relationships" xmlns:p="http://schemas.openxmlformats.org/presentationml/2006/main">
+  <p:cSld>
+    <p:spTree>
+      <p:nvGrpSpPr>
+        <p:cNvPr id="1" name=""/>
+        <p:cNvGrpSpPr/>
+        <p:nvPr/>
+      </p:nvGrpSpPr>
+      <p:grpSpPr>
+        <a:xfrm>
+          <a:off x="0" y="0"/>
+          <a:ext cx="0" cy="0"/>
+          <a:chOff x="0" y="0"/>
+          <a:chExt cx="0" cy="0"/>
+        </a:xfrm>
+      </p:grpSpPr>
+      <p:sp>
+        <p:nvSpPr>
+          <p:cNvPr id="2" name="Slide Image Placeholder 1"/>
+          <p:cNvSpPr>
+            <a:spLocks noGrp="1" noRot="1" noChangeAspect="1"/>
+          </p:cNvSpPr>
+          <p:nvPr>
+            <p:ph type="sldImg"/>
+          </p:nvPr>
+        </p:nvSpPr>
+        <p:spPr/>
+      </p:sp>
+      <p:sp>
+        <p:nvSpPr>
+          <p:cNvPr id="3" name="Notes Placeholder 2"/>
+          <p:cNvSpPr>
+            <a:spLocks noGrp="1"/>
+          </p:cNvSpPr>
+          <p:nvPr>
+            <p:ph type="body" idx="1"/>
+          </p:nvPr>
+        </p:nvSpPr>
+        <p:spPr/>
+        <p:txBody>
+          <a:bodyPr/>
+          <a:lstStyle/>
+          <a:p>
+            <a:endParaRPr lang="en-GB" dirty="0"/>
+          </a:p>
+        </p:txBody>
+      </p:sp>
+      <p:sp>
+        <p:nvSpPr>
+          <p:cNvPr id="4" name="Slide Number Placeholder 3"/>
+          <p:cNvSpPr>
+            <a:spLocks noGrp="1"/>
+          </p:cNvSpPr>
+          <p:nvPr>
+            <p:ph type="sldNum" sz="quarter" idx="10"/>
+          </p:nvPr>
+        </p:nvSpPr>
+        <p:spPr/>
+        <p:txBody>
+          <a:bodyPr/>
+          <a:lstStyle/>
+          <a:p>
+            <a:fld id="{17C257C2-8D60-4760-88CB-024AF3EEC641}" type="slidenum">
+              <a:rPr lang="nl-BE" smtClean="0"/>
+              <a:pPr/>
+              <a:t>9</a:t>
+            </a:fld>
+            <a:endParaRPr lang="nl-BE"/>
+          </a:p>
+        </p:txBody>
+      </p:sp>
+    </p:spTree>
+    <p:extLst>
+      <p:ext uri="{BB962C8B-B14F-4D97-AF65-F5344CB8AC3E}">
+        <p14:creationId xmlns:p14="http://schemas.microsoft.com/office/powerpoint/2010/main" val="1034278250"/>
       </p:ext>
     </p:extLst>
   </p:cSld>
@@ -2958,7 +5177,7 @@
             <a:fld id="{C4DDCD72-59EE-436D-B435-201699A5BB49}" type="datetimeFigureOut">
               <a:rPr lang="nl-BE" smtClean="0"/>
               <a:pPr/>
-              <a:t>6/04/2014</a:t>
+              <a:t>22/04/2014</a:t>
             </a:fld>
             <a:endParaRPr lang="nl-BE" dirty="0"/>
           </a:p>
@@ -3737,7 +5956,7 @@
             <a:fld id="{C4DDCD72-59EE-436D-B435-201699A5BB49}" type="datetimeFigureOut">
               <a:rPr lang="nl-BE" smtClean="0"/>
               <a:pPr/>
-              <a:t>6/04/2014</a:t>
+              <a:t>22/04/2014</a:t>
             </a:fld>
             <a:endParaRPr lang="nl-BE"/>
           </a:p>
@@ -4187,7 +6406,7 @@
             <a:fld id="{C4DDCD72-59EE-436D-B435-201699A5BB49}" type="datetimeFigureOut">
               <a:rPr lang="nl-BE" smtClean="0"/>
               <a:pPr/>
-              <a:t>6/04/2014</a:t>
+              <a:t>22/04/2014</a:t>
             </a:fld>
             <a:endParaRPr lang="nl-BE"/>
           </a:p>
@@ -4318,7 +6537,7 @@
             <a:fld id="{C4DDCD72-59EE-436D-B435-201699A5BB49}" type="datetimeFigureOut">
               <a:rPr lang="nl-BE" smtClean="0"/>
               <a:pPr/>
-              <a:t>6/04/2014</a:t>
+              <a:t>22/04/2014</a:t>
             </a:fld>
             <a:endParaRPr lang="nl-BE"/>
           </a:p>
@@ -4422,7 +6641,7 @@
             <a:fld id="{C4DDCD72-59EE-436D-B435-201699A5BB49}" type="datetimeFigureOut">
               <a:rPr lang="nl-BE" smtClean="0"/>
               <a:pPr/>
-              <a:t>6/04/2014</a:t>
+              <a:t>22/04/2014</a:t>
             </a:fld>
             <a:endParaRPr lang="nl-BE"/>
           </a:p>
@@ -4715,7 +6934,7 @@
             <a:fld id="{C4DDCD72-59EE-436D-B435-201699A5BB49}" type="datetimeFigureOut">
               <a:rPr lang="nl-BE" smtClean="0"/>
               <a:pPr/>
-              <a:t>6/04/2014</a:t>
+              <a:t>22/04/2014</a:t>
             </a:fld>
             <a:endParaRPr lang="nl-BE"/>
           </a:p>
@@ -4988,7 +7207,7 @@
             <a:fld id="{C4DDCD72-59EE-436D-B435-201699A5BB49}" type="datetimeFigureOut">
               <a:rPr lang="nl-BE" smtClean="0"/>
               <a:pPr/>
-              <a:t>6/04/2014</a:t>
+              <a:t>22/04/2014</a:t>
             </a:fld>
             <a:endParaRPr lang="nl-BE" dirty="0"/>
           </a:p>
@@ -5231,7 +7450,7 @@
             <a:fld id="{C4DDCD72-59EE-436D-B435-201699A5BB49}" type="datetimeFigureOut">
               <a:rPr lang="nl-BE" smtClean="0"/>
               <a:pPr/>
-              <a:t>6/04/2014</a:t>
+              <a:t>22/04/2014</a:t>
             </a:fld>
             <a:endParaRPr lang="nl-BE" dirty="0"/>
           </a:p>
@@ -6916,6 +9135,667 @@
 </p:sld>
 </file>
 
+<file path=ppt/slides/slide13.xml><?xml version="1.0" encoding="utf-8"?>
+<p:sld xmlns:a="http://schemas.openxmlformats.org/drawingml/2006/main" xmlns:r="http://schemas.openxmlformats.org/officeDocument/2006/relationships" xmlns:p="http://schemas.openxmlformats.org/presentationml/2006/main">
+  <p:cSld>
+    <p:spTree>
+      <p:nvGrpSpPr>
+        <p:cNvPr id="1" name=""/>
+        <p:cNvGrpSpPr/>
+        <p:nvPr/>
+      </p:nvGrpSpPr>
+      <p:grpSpPr>
+        <a:xfrm>
+          <a:off x="0" y="0"/>
+          <a:ext cx="0" cy="0"/>
+          <a:chOff x="0" y="0"/>
+          <a:chExt cx="0" cy="0"/>
+        </a:xfrm>
+      </p:grpSpPr>
+      <p:sp>
+        <p:nvSpPr>
+          <p:cNvPr id="4" name="Title 3"/>
+          <p:cNvSpPr>
+            <a:spLocks noGrp="1"/>
+          </p:cNvSpPr>
+          <p:nvPr>
+            <p:ph type="title"/>
+          </p:nvPr>
+        </p:nvSpPr>
+        <p:spPr/>
+        <p:txBody>
+          <a:bodyPr/>
+          <a:lstStyle/>
+          <a:p>
+            <a:r>
+              <a:rPr lang="en-GB" dirty="0" err="1" smtClean="0"/>
+              <a:t>MongoDB</a:t>
+            </a:r>
+            <a:r>
+              <a:rPr lang="en-GB" dirty="0" smtClean="0"/>
+              <a:t>: Normal</a:t>
+            </a:r>
+            <a:endParaRPr lang="en-GB" dirty="0"/>
+          </a:p>
+        </p:txBody>
+      </p:sp>
+      <p:sp>
+        <p:nvSpPr>
+          <p:cNvPr id="5" name="Text Placeholder 4"/>
+          <p:cNvSpPr>
+            <a:spLocks noGrp="1"/>
+          </p:cNvSpPr>
+          <p:nvPr>
+            <p:ph type="body" idx="1"/>
+          </p:nvPr>
+        </p:nvSpPr>
+        <p:spPr/>
+        <p:txBody>
+          <a:bodyPr/>
+          <a:lstStyle/>
+          <a:p>
+            <a:r>
+              <a:rPr lang="en-GB" dirty="0" smtClean="0"/>
+              <a:t>Primary</a:t>
+            </a:r>
+            <a:endParaRPr lang="en-GB" dirty="0"/>
+          </a:p>
+        </p:txBody>
+      </p:sp>
+      <p:pic>
+        <p:nvPicPr>
+          <p:cNvPr id="2" name="Content Placeholder 1"/>
+          <p:cNvPicPr>
+            <a:picLocks noGrp="1" noChangeAspect="1"/>
+          </p:cNvPicPr>
+          <p:nvPr>
+            <p:ph sz="half" idx="2"/>
+          </p:nvPr>
+        </p:nvPicPr>
+        <p:blipFill>
+          <a:blip r:embed="rId2" cstate="print">
+            <a:extLst>
+              <a:ext uri="{28A0092B-C50C-407E-A947-70E740481C1C}">
+                <a14:useLocalDpi xmlns:a14="http://schemas.microsoft.com/office/drawing/2010/main" val="0"/>
+              </a:ext>
+            </a:extLst>
+          </a:blip>
+          <a:stretch>
+            <a:fillRect/>
+          </a:stretch>
+        </p:blipFill>
+        <p:spPr>
+          <a:xfrm>
+            <a:off x="683444" y="1992313"/>
+            <a:ext cx="3752800" cy="3797300"/>
+          </a:xfrm>
+        </p:spPr>
+      </p:pic>
+      <p:sp>
+        <p:nvSpPr>
+          <p:cNvPr id="7" name="Text Placeholder 6"/>
+          <p:cNvSpPr>
+            <a:spLocks noGrp="1"/>
+          </p:cNvSpPr>
+          <p:nvPr>
+            <p:ph type="body" sz="quarter" idx="3"/>
+          </p:nvPr>
+        </p:nvSpPr>
+        <p:spPr/>
+        <p:txBody>
+          <a:bodyPr/>
+          <a:lstStyle/>
+          <a:p>
+            <a:r>
+              <a:rPr lang="en-GB" dirty="0" err="1" smtClean="0"/>
+              <a:t>Secundary</a:t>
+            </a:r>
+            <a:endParaRPr lang="en-GB" dirty="0"/>
+          </a:p>
+        </p:txBody>
+      </p:sp>
+      <p:pic>
+        <p:nvPicPr>
+          <p:cNvPr id="3" name="Content Placeholder 2"/>
+          <p:cNvPicPr>
+            <a:picLocks noGrp="1" noChangeAspect="1"/>
+          </p:cNvPicPr>
+          <p:nvPr>
+            <p:ph sz="quarter" idx="4"/>
+          </p:nvPr>
+        </p:nvPicPr>
+        <p:blipFill>
+          <a:blip r:embed="rId3" cstate="print">
+            <a:extLst>
+              <a:ext uri="{28A0092B-C50C-407E-A947-70E740481C1C}">
+                <a14:useLocalDpi xmlns:a14="http://schemas.microsoft.com/office/drawing/2010/main" val="0"/>
+              </a:ext>
+            </a:extLst>
+          </a:blip>
+          <a:stretch>
+            <a:fillRect/>
+          </a:stretch>
+        </p:blipFill>
+        <p:spPr>
+          <a:xfrm>
+            <a:off x="4967313" y="1992313"/>
+            <a:ext cx="3752800" cy="3797300"/>
+          </a:xfrm>
+        </p:spPr>
+      </p:pic>
+    </p:spTree>
+    <p:extLst>
+      <p:ext uri="{BB962C8B-B14F-4D97-AF65-F5344CB8AC3E}">
+        <p14:creationId xmlns:p14="http://schemas.microsoft.com/office/powerpoint/2010/main" val="176919399"/>
+      </p:ext>
+    </p:extLst>
+  </p:cSld>
+  <p:clrMapOvr>
+    <a:masterClrMapping/>
+  </p:clrMapOvr>
+  <p:timing>
+    <p:tnLst>
+      <p:par>
+        <p:cTn id="1" dur="indefinite" restart="never" nodeType="tmRoot"/>
+      </p:par>
+    </p:tnLst>
+  </p:timing>
+</p:sld>
+</file>
+
+<file path=ppt/slides/slide14.xml><?xml version="1.0" encoding="utf-8"?>
+<p:sld xmlns:a="http://schemas.openxmlformats.org/drawingml/2006/main" xmlns:r="http://schemas.openxmlformats.org/officeDocument/2006/relationships" xmlns:p="http://schemas.openxmlformats.org/presentationml/2006/main">
+  <p:cSld>
+    <p:spTree>
+      <p:nvGrpSpPr>
+        <p:cNvPr id="1" name=""/>
+        <p:cNvGrpSpPr/>
+        <p:nvPr/>
+      </p:nvGrpSpPr>
+      <p:grpSpPr>
+        <a:xfrm>
+          <a:off x="0" y="0"/>
+          <a:ext cx="0" cy="0"/>
+          <a:chOff x="0" y="0"/>
+          <a:chExt cx="0" cy="0"/>
+        </a:xfrm>
+      </p:grpSpPr>
+      <p:sp>
+        <p:nvSpPr>
+          <p:cNvPr id="4" name="Title 3"/>
+          <p:cNvSpPr>
+            <a:spLocks noGrp="1"/>
+          </p:cNvSpPr>
+          <p:nvPr>
+            <p:ph type="title"/>
+          </p:nvPr>
+        </p:nvSpPr>
+        <p:spPr/>
+        <p:txBody>
+          <a:bodyPr/>
+          <a:lstStyle/>
+          <a:p>
+            <a:r>
+              <a:rPr lang="en-GB" dirty="0" err="1" smtClean="0"/>
+              <a:t>MongoDB</a:t>
+            </a:r>
+            <a:r>
+              <a:rPr lang="en-GB" dirty="0" smtClean="0"/>
+              <a:t>: Majority</a:t>
+            </a:r>
+            <a:endParaRPr lang="en-GB" dirty="0"/>
+          </a:p>
+        </p:txBody>
+      </p:sp>
+      <p:sp>
+        <p:nvSpPr>
+          <p:cNvPr id="5" name="Text Placeholder 4"/>
+          <p:cNvSpPr>
+            <a:spLocks noGrp="1"/>
+          </p:cNvSpPr>
+          <p:nvPr>
+            <p:ph type="body" idx="1"/>
+          </p:nvPr>
+        </p:nvSpPr>
+        <p:spPr/>
+        <p:txBody>
+          <a:bodyPr/>
+          <a:lstStyle/>
+          <a:p>
+            <a:r>
+              <a:rPr lang="en-GB" dirty="0" smtClean="0"/>
+              <a:t>Primary</a:t>
+            </a:r>
+            <a:endParaRPr lang="en-GB" dirty="0"/>
+          </a:p>
+        </p:txBody>
+      </p:sp>
+      <p:pic>
+        <p:nvPicPr>
+          <p:cNvPr id="2" name="Content Placeholder 1"/>
+          <p:cNvPicPr>
+            <a:picLocks noGrp="1" noChangeAspect="1"/>
+          </p:cNvPicPr>
+          <p:nvPr>
+            <p:ph sz="half" idx="2"/>
+          </p:nvPr>
+        </p:nvPicPr>
+        <p:blipFill>
+          <a:blip r:embed="rId2" cstate="print">
+            <a:extLst>
+              <a:ext uri="{28A0092B-C50C-407E-A947-70E740481C1C}">
+                <a14:useLocalDpi xmlns:a14="http://schemas.microsoft.com/office/drawing/2010/main" val="0"/>
+              </a:ext>
+            </a:extLst>
+          </a:blip>
+          <a:stretch>
+            <a:fillRect/>
+          </a:stretch>
+        </p:blipFill>
+        <p:spPr>
+          <a:xfrm>
+            <a:off x="683444" y="1992313"/>
+            <a:ext cx="3752800" cy="3797300"/>
+          </a:xfrm>
+        </p:spPr>
+      </p:pic>
+      <p:sp>
+        <p:nvSpPr>
+          <p:cNvPr id="7" name="Text Placeholder 6"/>
+          <p:cNvSpPr>
+            <a:spLocks noGrp="1"/>
+          </p:cNvSpPr>
+          <p:nvPr>
+            <p:ph type="body" sz="quarter" idx="3"/>
+          </p:nvPr>
+        </p:nvSpPr>
+        <p:spPr/>
+        <p:txBody>
+          <a:bodyPr/>
+          <a:lstStyle/>
+          <a:p>
+            <a:r>
+              <a:rPr lang="en-GB" dirty="0" err="1" smtClean="0"/>
+              <a:t>Secundary</a:t>
+            </a:r>
+            <a:endParaRPr lang="en-GB" dirty="0"/>
+          </a:p>
+        </p:txBody>
+      </p:sp>
+      <p:pic>
+        <p:nvPicPr>
+          <p:cNvPr id="3" name="Content Placeholder 2"/>
+          <p:cNvPicPr>
+            <a:picLocks noGrp="1" noChangeAspect="1"/>
+          </p:cNvPicPr>
+          <p:nvPr>
+            <p:ph sz="quarter" idx="4"/>
+          </p:nvPr>
+        </p:nvPicPr>
+        <p:blipFill>
+          <a:blip r:embed="rId3" cstate="print">
+            <a:extLst>
+              <a:ext uri="{28A0092B-C50C-407E-A947-70E740481C1C}">
+                <a14:useLocalDpi xmlns:a14="http://schemas.microsoft.com/office/drawing/2010/main" val="0"/>
+              </a:ext>
+            </a:extLst>
+          </a:blip>
+          <a:stretch>
+            <a:fillRect/>
+          </a:stretch>
+        </p:blipFill>
+        <p:spPr>
+          <a:xfrm>
+            <a:off x="4967313" y="1992313"/>
+            <a:ext cx="3752800" cy="3797300"/>
+          </a:xfrm>
+        </p:spPr>
+      </p:pic>
+    </p:spTree>
+    <p:extLst>
+      <p:ext uri="{BB962C8B-B14F-4D97-AF65-F5344CB8AC3E}">
+        <p14:creationId xmlns:p14="http://schemas.microsoft.com/office/powerpoint/2010/main" val="2958259630"/>
+      </p:ext>
+    </p:extLst>
+  </p:cSld>
+  <p:clrMapOvr>
+    <a:masterClrMapping/>
+  </p:clrMapOvr>
+  <p:timing>
+    <p:tnLst>
+      <p:par>
+        <p:cTn id="1" dur="indefinite" restart="never" nodeType="tmRoot"/>
+      </p:par>
+    </p:tnLst>
+  </p:timing>
+</p:sld>
+</file>
+
+<file path=ppt/slides/slide15.xml><?xml version="1.0" encoding="utf-8"?>
+<p:sld xmlns:a="http://schemas.openxmlformats.org/drawingml/2006/main" xmlns:r="http://schemas.openxmlformats.org/officeDocument/2006/relationships" xmlns:p="http://schemas.openxmlformats.org/presentationml/2006/main">
+  <p:cSld>
+    <p:spTree>
+      <p:nvGrpSpPr>
+        <p:cNvPr id="1" name=""/>
+        <p:cNvGrpSpPr/>
+        <p:nvPr/>
+      </p:nvGrpSpPr>
+      <p:grpSpPr>
+        <a:xfrm>
+          <a:off x="0" y="0"/>
+          <a:ext cx="0" cy="0"/>
+          <a:chOff x="0" y="0"/>
+          <a:chExt cx="0" cy="0"/>
+        </a:xfrm>
+      </p:grpSpPr>
+      <p:sp>
+        <p:nvSpPr>
+          <p:cNvPr id="4" name="Title 3"/>
+          <p:cNvSpPr>
+            <a:spLocks noGrp="1"/>
+          </p:cNvSpPr>
+          <p:nvPr>
+            <p:ph type="title"/>
+          </p:nvPr>
+        </p:nvSpPr>
+        <p:spPr/>
+        <p:txBody>
+          <a:bodyPr/>
+          <a:lstStyle/>
+          <a:p>
+            <a:r>
+              <a:rPr lang="en-GB" dirty="0" err="1" smtClean="0"/>
+              <a:t>MongoDB</a:t>
+            </a:r>
+            <a:r>
+              <a:rPr lang="en-GB" dirty="0" smtClean="0"/>
+              <a:t>: Majority – </a:t>
+            </a:r>
+            <a:r>
+              <a:rPr lang="en-GB" dirty="0" err="1" smtClean="0"/>
+              <a:t>Secundary</a:t>
+            </a:r>
+            <a:r>
+              <a:rPr lang="en-GB" dirty="0" smtClean="0"/>
+              <a:t> – R3</a:t>
+            </a:r>
+            <a:endParaRPr lang="en-GB" dirty="0"/>
+          </a:p>
+        </p:txBody>
+      </p:sp>
+      <p:pic>
+        <p:nvPicPr>
+          <p:cNvPr id="2" name="Content Placeholder 1"/>
+          <p:cNvPicPr>
+            <a:picLocks noGrp="1" noChangeAspect="1"/>
+          </p:cNvPicPr>
+          <p:nvPr>
+            <p:ph idx="1"/>
+          </p:nvPr>
+        </p:nvPicPr>
+        <p:blipFill>
+          <a:blip r:embed="rId2" cstate="print">
+            <a:extLst>
+              <a:ext uri="{28A0092B-C50C-407E-A947-70E740481C1C}">
+                <a14:useLocalDpi xmlns:a14="http://schemas.microsoft.com/office/drawing/2010/main" val="0"/>
+              </a:ext>
+            </a:extLst>
+          </a:blip>
+          <a:stretch>
+            <a:fillRect/>
+          </a:stretch>
+        </p:blipFill>
+        <p:spPr>
+          <a:xfrm>
+            <a:off x="251520" y="1196752"/>
+            <a:ext cx="8334375" cy="4216601"/>
+          </a:xfrm>
+        </p:spPr>
+      </p:pic>
+      <p:sp>
+        <p:nvSpPr>
+          <p:cNvPr id="3" name="Rectangle 2"/>
+          <p:cNvSpPr/>
+          <p:nvPr/>
+        </p:nvSpPr>
+        <p:spPr>
+          <a:xfrm>
+            <a:off x="6804248" y="3789040"/>
+            <a:ext cx="432048" cy="1440160"/>
+          </a:xfrm>
+          <a:prstGeom prst="rect">
+            <a:avLst/>
+          </a:prstGeom>
+          <a:noFill/>
+          <a:ln>
+            <a:solidFill>
+              <a:srgbClr val="FF0000"/>
+            </a:solidFill>
+          </a:ln>
+        </p:spPr>
+        <p:style>
+          <a:lnRef idx="2">
+            <a:schemeClr val="accent1">
+              <a:shade val="50000"/>
+            </a:schemeClr>
+          </a:lnRef>
+          <a:fillRef idx="1">
+            <a:schemeClr val="accent1"/>
+          </a:fillRef>
+          <a:effectRef idx="0">
+            <a:schemeClr val="accent1"/>
+          </a:effectRef>
+          <a:fontRef idx="minor">
+            <a:schemeClr val="lt1"/>
+          </a:fontRef>
+        </p:style>
+        <p:txBody>
+          <a:bodyPr rtlCol="0" anchor="ctr"/>
+          <a:lstStyle/>
+          <a:p>
+            <a:pPr algn="ctr"/>
+            <a:endParaRPr lang="en-GB"/>
+          </a:p>
+        </p:txBody>
+      </p:sp>
+      <p:pic>
+        <p:nvPicPr>
+          <p:cNvPr id="9" name="Content Placeholder 1"/>
+          <p:cNvPicPr>
+            <a:picLocks noChangeAspect="1"/>
+          </p:cNvPicPr>
+          <p:nvPr/>
+        </p:nvPicPr>
+        <p:blipFill rotWithShape="1">
+          <a:blip r:embed="rId2" cstate="print">
+            <a:extLst>
+              <a:ext uri="{28A0092B-C50C-407E-A947-70E740481C1C}">
+                <a14:useLocalDpi xmlns:a14="http://schemas.microsoft.com/office/drawing/2010/main" val="0"/>
+              </a:ext>
+            </a:extLst>
+          </a:blip>
+          <a:srcRect l="79487" t="63352" r="17921" b="7616"/>
+          <a:stretch/>
+        </p:blipFill>
+        <p:spPr>
+          <a:xfrm>
+            <a:off x="8153847" y="1167904"/>
+            <a:ext cx="864096" cy="4896571"/>
+          </a:xfrm>
+          <a:prstGeom prst="rect">
+            <a:avLst/>
+          </a:prstGeom>
+          <a:ln>
+            <a:solidFill>
+              <a:srgbClr val="FF0000"/>
+            </a:solidFill>
+          </a:ln>
+        </p:spPr>
+      </p:pic>
+    </p:spTree>
+    <p:extLst>
+      <p:ext uri="{BB962C8B-B14F-4D97-AF65-F5344CB8AC3E}">
+        <p14:creationId xmlns:p14="http://schemas.microsoft.com/office/powerpoint/2010/main" val="1241052574"/>
+      </p:ext>
+    </p:extLst>
+  </p:cSld>
+  <p:clrMapOvr>
+    <a:masterClrMapping/>
+  </p:clrMapOvr>
+  <p:timing>
+    <p:tnLst>
+      <p:par>
+        <p:cTn id="1" dur="indefinite" restart="never" nodeType="tmRoot"/>
+      </p:par>
+    </p:tnLst>
+  </p:timing>
+</p:sld>
+</file>
+
+<file path=ppt/slides/slide16.xml><?xml version="1.0" encoding="utf-8"?>
+<p:sld xmlns:a="http://schemas.openxmlformats.org/drawingml/2006/main" xmlns:r="http://schemas.openxmlformats.org/officeDocument/2006/relationships" xmlns:p="http://schemas.openxmlformats.org/presentationml/2006/main">
+  <p:cSld>
+    <p:spTree>
+      <p:nvGrpSpPr>
+        <p:cNvPr id="1" name=""/>
+        <p:cNvGrpSpPr/>
+        <p:nvPr/>
+      </p:nvGrpSpPr>
+      <p:grpSpPr>
+        <a:xfrm>
+          <a:off x="0" y="0"/>
+          <a:ext cx="0" cy="0"/>
+          <a:chOff x="0" y="0"/>
+          <a:chExt cx="0" cy="0"/>
+        </a:xfrm>
+      </p:grpSpPr>
+      <p:sp>
+        <p:nvSpPr>
+          <p:cNvPr id="4" name="Title 3"/>
+          <p:cNvSpPr>
+            <a:spLocks noGrp="1"/>
+          </p:cNvSpPr>
+          <p:nvPr>
+            <p:ph type="title"/>
+          </p:nvPr>
+        </p:nvSpPr>
+        <p:spPr/>
+        <p:txBody>
+          <a:bodyPr/>
+          <a:lstStyle/>
+          <a:p>
+            <a:r>
+              <a:rPr lang="en-GB" dirty="0" err="1" smtClean="0"/>
+              <a:t>MongoDB</a:t>
+            </a:r>
+            <a:endParaRPr lang="en-GB" dirty="0"/>
+          </a:p>
+        </p:txBody>
+      </p:sp>
+      <p:sp>
+        <p:nvSpPr>
+          <p:cNvPr id="5" name="Text Placeholder 4"/>
+          <p:cNvSpPr>
+            <a:spLocks noGrp="1"/>
+          </p:cNvSpPr>
+          <p:nvPr>
+            <p:ph type="body" idx="1"/>
+          </p:nvPr>
+        </p:nvSpPr>
+        <p:spPr/>
+        <p:txBody>
+          <a:bodyPr/>
+          <a:lstStyle/>
+          <a:p>
+            <a:r>
+              <a:rPr lang="en-GB" dirty="0" smtClean="0"/>
+              <a:t>Primary</a:t>
+            </a:r>
+            <a:endParaRPr lang="en-GB" dirty="0"/>
+          </a:p>
+        </p:txBody>
+      </p:sp>
+      <p:sp>
+        <p:nvSpPr>
+          <p:cNvPr id="6" name="Content Placeholder 5"/>
+          <p:cNvSpPr>
+            <a:spLocks noGrp="1"/>
+          </p:cNvSpPr>
+          <p:nvPr>
+            <p:ph sz="half" idx="2"/>
+          </p:nvPr>
+        </p:nvSpPr>
+        <p:spPr/>
+        <p:txBody>
+          <a:bodyPr/>
+          <a:lstStyle/>
+          <a:p>
+            <a:endParaRPr lang="en-GB"/>
+          </a:p>
+        </p:txBody>
+      </p:sp>
+      <p:sp>
+        <p:nvSpPr>
+          <p:cNvPr id="7" name="Text Placeholder 6"/>
+          <p:cNvSpPr>
+            <a:spLocks noGrp="1"/>
+          </p:cNvSpPr>
+          <p:nvPr>
+            <p:ph type="body" sz="quarter" idx="3"/>
+          </p:nvPr>
+        </p:nvSpPr>
+        <p:spPr/>
+        <p:txBody>
+          <a:bodyPr/>
+          <a:lstStyle/>
+          <a:p>
+            <a:r>
+              <a:rPr lang="en-GB" dirty="0" err="1" smtClean="0"/>
+              <a:t>Secundary</a:t>
+            </a:r>
+            <a:endParaRPr lang="en-GB" dirty="0"/>
+          </a:p>
+        </p:txBody>
+      </p:sp>
+      <p:sp>
+        <p:nvSpPr>
+          <p:cNvPr id="8" name="Content Placeholder 7"/>
+          <p:cNvSpPr>
+            <a:spLocks noGrp="1"/>
+          </p:cNvSpPr>
+          <p:nvPr>
+            <p:ph sz="quarter" idx="4"/>
+          </p:nvPr>
+        </p:nvSpPr>
+        <p:spPr/>
+        <p:txBody>
+          <a:bodyPr/>
+          <a:lstStyle/>
+          <a:p>
+            <a:endParaRPr lang="en-GB"/>
+          </a:p>
+        </p:txBody>
+      </p:sp>
+    </p:spTree>
+    <p:extLst>
+      <p:ext uri="{BB962C8B-B14F-4D97-AF65-F5344CB8AC3E}">
+        <p14:creationId xmlns:p14="http://schemas.microsoft.com/office/powerpoint/2010/main" val="3219646371"/>
+      </p:ext>
+    </p:extLst>
+  </p:cSld>
+  <p:clrMapOvr>
+    <a:masterClrMapping/>
+  </p:clrMapOvr>
+  <p:timing>
+    <p:tnLst>
+      <p:par>
+        <p:cTn id="1" dur="indefinite" restart="never" nodeType="tmRoot"/>
+      </p:par>
+    </p:tnLst>
+  </p:timing>
+</p:sld>
+</file>
+
 <file path=ppt/slides/slide2.xml><?xml version="1.0" encoding="utf-8"?>
 <p:sld xmlns:a="http://schemas.openxmlformats.org/drawingml/2006/main" xmlns:r="http://schemas.openxmlformats.org/officeDocument/2006/relationships" xmlns:p="http://schemas.openxmlformats.org/presentationml/2006/main">
   <p:cSld>
@@ -7400,7 +10280,7 @@
           </p:nvPr>
         </p:nvPicPr>
         <p:blipFill rotWithShape="1">
-          <a:blip r:embed="rId2" cstate="print">
+          <a:blip r:embed="rId3" cstate="print">
             <a:clrChange>
               <a:clrFrom>
                 <a:srgbClr val="FFFFFF"/>
@@ -7801,7 +10681,7 @@
           </p:nvPr>
         </p:nvPicPr>
         <p:blipFill>
-          <a:blip r:embed="rId2" cstate="print">
+          <a:blip r:embed="rId3" cstate="print">
             <a:extLst>
               <a:ext uri="{28A0092B-C50C-407E-A947-70E740481C1C}">
                 <a14:useLocalDpi xmlns:a14="http://schemas.microsoft.com/office/drawing/2010/main" val="0"/>
@@ -7906,7 +10786,7 @@
           </p:nvPr>
         </p:nvPicPr>
         <p:blipFill>
-          <a:blip r:embed="rId2" cstate="print">
+          <a:blip r:embed="rId3" cstate="print">
             <a:extLst>
               <a:ext uri="{28A0092B-C50C-407E-A947-70E740481C1C}">
                 <a14:useLocalDpi xmlns:a14="http://schemas.microsoft.com/office/drawing/2010/main" val="0"/>
@@ -8017,7 +10897,7 @@
           </p:nvPr>
         </p:nvPicPr>
         <p:blipFill rotWithShape="1">
-          <a:blip r:embed="rId2">
+          <a:blip r:embed="rId3">
             <a:clrChange>
               <a:clrFrom>
                 <a:srgbClr val="FFFFFF"/>
@@ -8720,7 +11600,7 @@
           </p:nvPr>
         </p:nvPicPr>
         <p:blipFill>
-          <a:blip r:embed="rId2" cstate="print">
+          <a:blip r:embed="rId3" cstate="print">
             <a:clrChange>
               <a:clrFrom>
                 <a:srgbClr val="FFFFFF"/>
@@ -8758,11 +11638,11 @@
   <p:clrMapOvr>
     <a:masterClrMapping/>
   </p:clrMapOvr>
-  <mc:AlternateContent xmlns:mc="http://schemas.openxmlformats.org/markup-compatibility/2006">
-    <mc:Choice xmlns:p14="http://schemas.microsoft.com/office/powerpoint/2010/main" Requires="p14">
+  <mc:AlternateContent xmlns:mc="http://schemas.openxmlformats.org/markup-compatibility/2006" xmlns:p14="http://schemas.microsoft.com/office/powerpoint/2010/main">
+    <mc:Choice Requires="p14">
       <p:transition spd="slow" p14:dur="2000"/>
     </mc:Choice>
-    <mc:Fallback>
+    <mc:Fallback xmlns="">
       <p:transition spd="slow"/>
     </mc:Fallback>
   </mc:AlternateContent>
@@ -9143,11 +12023,11 @@
   <p:clrMapOvr>
     <a:masterClrMapping/>
   </p:clrMapOvr>
-  <mc:AlternateContent xmlns:mc="http://schemas.openxmlformats.org/markup-compatibility/2006">
-    <mc:Choice xmlns:p14="http://schemas.microsoft.com/office/powerpoint/2010/main" Requires="p14">
+  <mc:AlternateContent xmlns:mc="http://schemas.openxmlformats.org/markup-compatibility/2006" xmlns:p14="http://schemas.microsoft.com/office/powerpoint/2010/main">
+    <mc:Choice Requires="p14">
       <p:transition spd="slow" p14:dur="2000"/>
     </mc:Choice>
-    <mc:Fallback>
+    <mc:Fallback xmlns="">
       <p:transition spd="slow"/>
     </mc:Fallback>
   </mc:AlternateContent>
